--- a/Презентация.pptx
+++ b/Презентация.pptx
@@ -114,6 +114,11 @@
       </a:defRPr>
     </a:lvl9pPr>
   </p:defaultTextStyle>
+  <p:extLst>
+    <p:ext uri="{EFAFB233-063F-42B5-8137-9DF3F51BA10A}">
+      <p15:sldGuideLst xmlns:p15="http://schemas.microsoft.com/office/powerpoint/2012/main"/>
+    </p:ext>
+  </p:extLst>
 </p:presentation>
 </file>
 
@@ -167,7 +172,7 @@
           <a:noFill/>
           <a:extLst>
             <a:ext uri="{909E8E84-426E-40dd-AFC4-6F175D3DCCD1}">
-              <a14:hiddenFill xmlns:a14="http://schemas.microsoft.com/office/drawing/2010/main" xmlns="">
+              <a14:hiddenFill xmlns="" xmlns:a14="http://schemas.microsoft.com/office/drawing/2010/main">
                 <a:solidFill>
                   <a:srgbClr val="FFFFFF"/>
                 </a:solidFill>
@@ -227,7 +232,7 @@
             </a:ln>
             <a:extLst>
               <a:ext uri="{91240B29-F687-4f45-9708-019B960494DF}">
-                <a14:hiddenLine xmlns:a14="http://schemas.microsoft.com/office/drawing/2010/main" xmlns="" w="9525">
+                <a14:hiddenLine xmlns="" xmlns:a14="http://schemas.microsoft.com/office/drawing/2010/main" w="9525">
                   <a:solidFill>
                     <a:srgbClr val="000000"/>
                   </a:solidFill>
@@ -317,7 +322,7 @@
             </a:ln>
             <a:extLst>
               <a:ext uri="{91240B29-F687-4f45-9708-019B960494DF}">
-                <a14:hiddenLine xmlns:a14="http://schemas.microsoft.com/office/drawing/2010/main" xmlns="" w="9525">
+                <a14:hiddenLine xmlns="" xmlns:a14="http://schemas.microsoft.com/office/drawing/2010/main" w="9525">
                   <a:solidFill>
                     <a:srgbClr val="000000"/>
                   </a:solidFill>
@@ -407,7 +412,7 @@
             </a:ln>
             <a:extLst>
               <a:ext uri="{91240B29-F687-4f45-9708-019B960494DF}">
-                <a14:hiddenLine xmlns:a14="http://schemas.microsoft.com/office/drawing/2010/main" xmlns="" w="9525">
+                <a14:hiddenLine xmlns="" xmlns:a14="http://schemas.microsoft.com/office/drawing/2010/main" w="9525">
                   <a:solidFill>
                     <a:srgbClr val="000000"/>
                   </a:solidFill>
@@ -441,7 +446,7 @@
             </a:ln>
             <a:extLst>
               <a:ext uri="{91240B29-F687-4f45-9708-019B960494DF}">
-                <a14:hiddenLine xmlns:a14="http://schemas.microsoft.com/office/drawing/2010/main" xmlns="" w="9525">
+                <a14:hiddenLine xmlns="" xmlns:a14="http://schemas.microsoft.com/office/drawing/2010/main" w="9525">
                   <a:solidFill>
                     <a:srgbClr val="000000"/>
                   </a:solidFill>
@@ -531,7 +536,7 @@
             </a:ln>
             <a:extLst>
               <a:ext uri="{91240B29-F687-4f45-9708-019B960494DF}">
-                <a14:hiddenLine xmlns:a14="http://schemas.microsoft.com/office/drawing/2010/main" xmlns="" w="9525">
+                <a14:hiddenLine xmlns="" xmlns:a14="http://schemas.microsoft.com/office/drawing/2010/main" w="9525">
                   <a:solidFill>
                     <a:srgbClr val="000000"/>
                   </a:solidFill>
@@ -593,7 +598,7 @@
             </a:ln>
             <a:extLst>
               <a:ext uri="{91240B29-F687-4f45-9708-019B960494DF}">
-                <a14:hiddenLine xmlns:a14="http://schemas.microsoft.com/office/drawing/2010/main" xmlns="" w="9525">
+                <a14:hiddenLine xmlns="" xmlns:a14="http://schemas.microsoft.com/office/drawing/2010/main" w="9525">
                   <a:solidFill>
                     <a:srgbClr val="000000"/>
                   </a:solidFill>
@@ -655,7 +660,7 @@
             </a:ln>
             <a:extLst>
               <a:ext uri="{91240B29-F687-4f45-9708-019B960494DF}">
-                <a14:hiddenLine xmlns:a14="http://schemas.microsoft.com/office/drawing/2010/main" xmlns="" w="9525">
+                <a14:hiddenLine xmlns="" xmlns:a14="http://schemas.microsoft.com/office/drawing/2010/main" w="9525">
                   <a:solidFill>
                     <a:srgbClr val="000000"/>
                   </a:solidFill>
@@ -745,7 +750,7 @@
             </a:ln>
             <a:extLst>
               <a:ext uri="{91240B29-F687-4f45-9708-019B960494DF}">
-                <a14:hiddenLine xmlns:a14="http://schemas.microsoft.com/office/drawing/2010/main" xmlns="" w="9525">
+                <a14:hiddenLine xmlns="" xmlns:a14="http://schemas.microsoft.com/office/drawing/2010/main" w="9525">
                   <a:solidFill>
                     <a:srgbClr val="000000"/>
                   </a:solidFill>
@@ -807,7 +812,7 @@
             </a:ln>
             <a:extLst>
               <a:ext uri="{91240B29-F687-4f45-9708-019B960494DF}">
-                <a14:hiddenLine xmlns:a14="http://schemas.microsoft.com/office/drawing/2010/main" xmlns="" w="9525">
+                <a14:hiddenLine xmlns="" xmlns:a14="http://schemas.microsoft.com/office/drawing/2010/main" w="9525">
                   <a:solidFill>
                     <a:srgbClr val="000000"/>
                   </a:solidFill>
@@ -869,7 +874,7 @@
             </a:ln>
             <a:extLst>
               <a:ext uri="{91240B29-F687-4f45-9708-019B960494DF}">
-                <a14:hiddenLine xmlns:a14="http://schemas.microsoft.com/office/drawing/2010/main" xmlns="" w="9525">
+                <a14:hiddenLine xmlns="" xmlns:a14="http://schemas.microsoft.com/office/drawing/2010/main" w="9525">
                   <a:solidFill>
                     <a:srgbClr val="000000"/>
                   </a:solidFill>
@@ -959,7 +964,7 @@
             </a:ln>
             <a:extLst>
               <a:ext uri="{91240B29-F687-4f45-9708-019B960494DF}">
-                <a14:hiddenLine xmlns:a14="http://schemas.microsoft.com/office/drawing/2010/main" xmlns="" w="9525">
+                <a14:hiddenLine xmlns="" xmlns:a14="http://schemas.microsoft.com/office/drawing/2010/main" w="9525">
                   <a:solidFill>
                     <a:srgbClr val="000000"/>
                   </a:solidFill>
@@ -1049,7 +1054,7 @@
             </a:ln>
             <a:extLst>
               <a:ext uri="{91240B29-F687-4f45-9708-019B960494DF}">
-                <a14:hiddenLine xmlns:a14="http://schemas.microsoft.com/office/drawing/2010/main" xmlns="" w="9525">
+                <a14:hiddenLine xmlns="" xmlns:a14="http://schemas.microsoft.com/office/drawing/2010/main" w="9525">
                   <a:solidFill>
                     <a:srgbClr val="000000"/>
                   </a:solidFill>
@@ -1111,7 +1116,7 @@
             </a:ln>
             <a:extLst>
               <a:ext uri="{91240B29-F687-4f45-9708-019B960494DF}">
-                <a14:hiddenLine xmlns:a14="http://schemas.microsoft.com/office/drawing/2010/main" xmlns="" w="9525">
+                <a14:hiddenLine xmlns="" xmlns:a14="http://schemas.microsoft.com/office/drawing/2010/main" w="9525">
                   <a:solidFill>
                     <a:srgbClr val="000000"/>
                   </a:solidFill>
@@ -1221,7 +1226,7 @@
             </a:ln>
             <a:extLst>
               <a:ext uri="{91240B29-F687-4f45-9708-019B960494DF}">
-                <a14:hiddenLine xmlns:a14="http://schemas.microsoft.com/office/drawing/2010/main" xmlns="" w="9525">
+                <a14:hiddenLine xmlns="" xmlns:a14="http://schemas.microsoft.com/office/drawing/2010/main" w="9525">
                   <a:solidFill>
                     <a:srgbClr val="000000"/>
                   </a:solidFill>
@@ -1283,7 +1288,7 @@
             </a:ln>
             <a:extLst>
               <a:ext uri="{91240B29-F687-4f45-9708-019B960494DF}">
-                <a14:hiddenLine xmlns:a14="http://schemas.microsoft.com/office/drawing/2010/main" xmlns="" w="9525">
+                <a14:hiddenLine xmlns="" xmlns:a14="http://schemas.microsoft.com/office/drawing/2010/main" w="9525">
                   <a:solidFill>
                     <a:srgbClr val="000000"/>
                   </a:solidFill>
@@ -1373,7 +1378,7 @@
             </a:ln>
             <a:extLst>
               <a:ext uri="{91240B29-F687-4f45-9708-019B960494DF}">
-                <a14:hiddenLine xmlns:a14="http://schemas.microsoft.com/office/drawing/2010/main" xmlns="" w="9525">
+                <a14:hiddenLine xmlns="" xmlns:a14="http://schemas.microsoft.com/office/drawing/2010/main" w="9525">
                   <a:solidFill>
                     <a:srgbClr val="000000"/>
                   </a:solidFill>
@@ -1463,7 +1468,7 @@
             </a:ln>
             <a:extLst>
               <a:ext uri="{91240B29-F687-4f45-9708-019B960494DF}">
-                <a14:hiddenLine xmlns:a14="http://schemas.microsoft.com/office/drawing/2010/main" xmlns="" w="9525">
+                <a14:hiddenLine xmlns="" xmlns:a14="http://schemas.microsoft.com/office/drawing/2010/main" w="9525">
                   <a:solidFill>
                     <a:srgbClr val="000000"/>
                   </a:solidFill>
@@ -1525,7 +1530,7 @@
             </a:ln>
             <a:extLst>
               <a:ext uri="{91240B29-F687-4f45-9708-019B960494DF}">
-                <a14:hiddenLine xmlns:a14="http://schemas.microsoft.com/office/drawing/2010/main" xmlns="" w="9525">
+                <a14:hiddenLine xmlns="" xmlns:a14="http://schemas.microsoft.com/office/drawing/2010/main" w="9525">
                   <a:solidFill>
                     <a:srgbClr val="000000"/>
                   </a:solidFill>
@@ -1615,7 +1620,7 @@
             </a:ln>
             <a:extLst>
               <a:ext uri="{91240B29-F687-4f45-9708-019B960494DF}">
-                <a14:hiddenLine xmlns:a14="http://schemas.microsoft.com/office/drawing/2010/main" xmlns="" w="9525">
+                <a14:hiddenLine xmlns="" xmlns:a14="http://schemas.microsoft.com/office/drawing/2010/main" w="9525">
                   <a:solidFill>
                     <a:srgbClr val="000000"/>
                   </a:solidFill>
@@ -1705,7 +1710,7 @@
             </a:ln>
             <a:extLst>
               <a:ext uri="{91240B29-F687-4f45-9708-019B960494DF}">
-                <a14:hiddenLine xmlns:a14="http://schemas.microsoft.com/office/drawing/2010/main" xmlns="" w="9525">
+                <a14:hiddenLine xmlns="" xmlns:a14="http://schemas.microsoft.com/office/drawing/2010/main" w="9525">
                   <a:solidFill>
                     <a:srgbClr val="000000"/>
                   </a:solidFill>
@@ -1761,7 +1766,7 @@
             </a:ln>
             <a:extLst>
               <a:ext uri="{91240B29-F687-4f45-9708-019B960494DF}">
-                <a14:hiddenLine xmlns:a14="http://schemas.microsoft.com/office/drawing/2010/main" xmlns="" w="9525">
+                <a14:hiddenLine xmlns="" xmlns:a14="http://schemas.microsoft.com/office/drawing/2010/main" w="9525">
                   <a:solidFill>
                     <a:srgbClr val="000000"/>
                   </a:solidFill>
@@ -1851,7 +1856,7 @@
             </a:ln>
             <a:extLst>
               <a:ext uri="{91240B29-F687-4f45-9708-019B960494DF}">
-                <a14:hiddenLine xmlns:a14="http://schemas.microsoft.com/office/drawing/2010/main" xmlns="" w="9525">
+                <a14:hiddenLine xmlns="" xmlns:a14="http://schemas.microsoft.com/office/drawing/2010/main" w="9525">
                   <a:solidFill>
                     <a:srgbClr val="000000"/>
                   </a:solidFill>
@@ -1907,7 +1912,7 @@
             </a:ln>
             <a:extLst>
               <a:ext uri="{91240B29-F687-4f45-9708-019B960494DF}">
-                <a14:hiddenLine xmlns:a14="http://schemas.microsoft.com/office/drawing/2010/main" xmlns="" w="9525">
+                <a14:hiddenLine xmlns="" xmlns:a14="http://schemas.microsoft.com/office/drawing/2010/main" w="9525">
                   <a:solidFill>
                     <a:srgbClr val="000000"/>
                   </a:solidFill>
@@ -1997,7 +2002,7 @@
             </a:ln>
             <a:extLst>
               <a:ext uri="{91240B29-F687-4f45-9708-019B960494DF}">
-                <a14:hiddenLine xmlns:a14="http://schemas.microsoft.com/office/drawing/2010/main" xmlns="" w="9525">
+                <a14:hiddenLine xmlns="" xmlns:a14="http://schemas.microsoft.com/office/drawing/2010/main" w="9525">
                   <a:solidFill>
                     <a:srgbClr val="000000"/>
                   </a:solidFill>
@@ -2065,7 +2070,7 @@
             </a:ln>
             <a:extLst>
               <a:ext uri="{91240B29-F687-4f45-9708-019B960494DF}">
-                <a14:hiddenLine xmlns:a14="http://schemas.microsoft.com/office/drawing/2010/main" xmlns="" w="9525">
+                <a14:hiddenLine xmlns="" xmlns:a14="http://schemas.microsoft.com/office/drawing/2010/main" w="9525">
                   <a:solidFill>
                     <a:srgbClr val="000000"/>
                   </a:solidFill>
@@ -2155,7 +2160,7 @@
             </a:ln>
             <a:extLst>
               <a:ext uri="{91240B29-F687-4f45-9708-019B960494DF}">
-                <a14:hiddenLine xmlns:a14="http://schemas.microsoft.com/office/drawing/2010/main" xmlns="" w="9525">
+                <a14:hiddenLine xmlns="" xmlns:a14="http://schemas.microsoft.com/office/drawing/2010/main" w="9525">
                   <a:solidFill>
                     <a:srgbClr val="000000"/>
                   </a:solidFill>
@@ -2223,7 +2228,7 @@
             </a:ln>
             <a:extLst>
               <a:ext uri="{91240B29-F687-4f45-9708-019B960494DF}">
-                <a14:hiddenLine xmlns:a14="http://schemas.microsoft.com/office/drawing/2010/main" xmlns="" w="9525">
+                <a14:hiddenLine xmlns="" xmlns:a14="http://schemas.microsoft.com/office/drawing/2010/main" w="9525">
                   <a:solidFill>
                     <a:srgbClr val="000000"/>
                   </a:solidFill>
@@ -2313,7 +2318,7 @@
             </a:ln>
             <a:extLst>
               <a:ext uri="{91240B29-F687-4f45-9708-019B960494DF}">
-                <a14:hiddenLine xmlns:a14="http://schemas.microsoft.com/office/drawing/2010/main" xmlns="" w="9525">
+                <a14:hiddenLine xmlns="" xmlns:a14="http://schemas.microsoft.com/office/drawing/2010/main" w="9525">
                   <a:solidFill>
                     <a:srgbClr val="000000"/>
                   </a:solidFill>
@@ -2347,7 +2352,7 @@
             </a:ln>
             <a:extLst>
               <a:ext uri="{91240B29-F687-4f45-9708-019B960494DF}">
-                <a14:hiddenLine xmlns:a14="http://schemas.microsoft.com/office/drawing/2010/main" xmlns="" w="9525">
+                <a14:hiddenLine xmlns="" xmlns:a14="http://schemas.microsoft.com/office/drawing/2010/main" w="9525">
                   <a:solidFill>
                     <a:srgbClr val="000000"/>
                   </a:solidFill>
@@ -2437,7 +2442,7 @@
             </a:ln>
             <a:extLst>
               <a:ext uri="{91240B29-F687-4f45-9708-019B960494DF}">
-                <a14:hiddenLine xmlns:a14="http://schemas.microsoft.com/office/drawing/2010/main" xmlns="" w="9525">
+                <a14:hiddenLine xmlns="" xmlns:a14="http://schemas.microsoft.com/office/drawing/2010/main" w="9525">
                   <a:solidFill>
                     <a:srgbClr val="000000"/>
                   </a:solidFill>
@@ -2499,7 +2504,7 @@
             </a:ln>
             <a:extLst>
               <a:ext uri="{91240B29-F687-4f45-9708-019B960494DF}">
-                <a14:hiddenLine xmlns:a14="http://schemas.microsoft.com/office/drawing/2010/main" xmlns="" w="9525">
+                <a14:hiddenLine xmlns="" xmlns:a14="http://schemas.microsoft.com/office/drawing/2010/main" w="9525">
                   <a:solidFill>
                     <a:srgbClr val="000000"/>
                   </a:solidFill>
@@ -2561,7 +2566,7 @@
             </a:ln>
             <a:extLst>
               <a:ext uri="{91240B29-F687-4f45-9708-019B960494DF}">
-                <a14:hiddenLine xmlns:a14="http://schemas.microsoft.com/office/drawing/2010/main" xmlns="" w="9525">
+                <a14:hiddenLine xmlns="" xmlns:a14="http://schemas.microsoft.com/office/drawing/2010/main" w="9525">
                   <a:solidFill>
                     <a:srgbClr val="000000"/>
                   </a:solidFill>
@@ -2651,7 +2656,7 @@
             </a:ln>
             <a:extLst>
               <a:ext uri="{91240B29-F687-4f45-9708-019B960494DF}">
-                <a14:hiddenLine xmlns:a14="http://schemas.microsoft.com/office/drawing/2010/main" xmlns="" w="9525">
+                <a14:hiddenLine xmlns="" xmlns:a14="http://schemas.microsoft.com/office/drawing/2010/main" w="9525">
                   <a:solidFill>
                     <a:srgbClr val="000000"/>
                   </a:solidFill>
@@ -2719,7 +2724,7 @@
             </a:ln>
             <a:extLst>
               <a:ext uri="{91240B29-F687-4f45-9708-019B960494DF}">
-                <a14:hiddenLine xmlns:a14="http://schemas.microsoft.com/office/drawing/2010/main" xmlns="" w="9525">
+                <a14:hiddenLine xmlns="" xmlns:a14="http://schemas.microsoft.com/office/drawing/2010/main" w="9525">
                   <a:solidFill>
                     <a:srgbClr val="000000"/>
                   </a:solidFill>
@@ -2781,7 +2786,7 @@
             </a:ln>
             <a:extLst>
               <a:ext uri="{91240B29-F687-4f45-9708-019B960494DF}">
-                <a14:hiddenLine xmlns:a14="http://schemas.microsoft.com/office/drawing/2010/main" xmlns="" w="9525">
+                <a14:hiddenLine xmlns="" xmlns:a14="http://schemas.microsoft.com/office/drawing/2010/main" w="9525">
                   <a:solidFill>
                     <a:srgbClr val="000000"/>
                   </a:solidFill>
@@ -2871,7 +2876,7 @@
             </a:ln>
             <a:extLst>
               <a:ext uri="{91240B29-F687-4f45-9708-019B960494DF}">
-                <a14:hiddenLine xmlns:a14="http://schemas.microsoft.com/office/drawing/2010/main" xmlns="" w="9525">
+                <a14:hiddenLine xmlns="" xmlns:a14="http://schemas.microsoft.com/office/drawing/2010/main" w="9525">
                   <a:solidFill>
                     <a:srgbClr val="000000"/>
                   </a:solidFill>
@@ -2933,7 +2938,7 @@
             </a:ln>
             <a:extLst>
               <a:ext uri="{91240B29-F687-4f45-9708-019B960494DF}">
-                <a14:hiddenLine xmlns:a14="http://schemas.microsoft.com/office/drawing/2010/main" xmlns="" w="9525">
+                <a14:hiddenLine xmlns="" xmlns:a14="http://schemas.microsoft.com/office/drawing/2010/main" w="9525">
                   <a:solidFill>
                     <a:srgbClr val="000000"/>
                   </a:solidFill>
@@ -3023,7 +3028,7 @@
             </a:ln>
             <a:extLst>
               <a:ext uri="{91240B29-F687-4f45-9708-019B960494DF}">
-                <a14:hiddenLine xmlns:a14="http://schemas.microsoft.com/office/drawing/2010/main" xmlns="" w="9525">
+                <a14:hiddenLine xmlns="" xmlns:a14="http://schemas.microsoft.com/office/drawing/2010/main" w="9525">
                   <a:solidFill>
                     <a:srgbClr val="000000"/>
                   </a:solidFill>
@@ -3085,7 +3090,7 @@
             </a:ln>
             <a:extLst>
               <a:ext uri="{91240B29-F687-4f45-9708-019B960494DF}">
-                <a14:hiddenLine xmlns:a14="http://schemas.microsoft.com/office/drawing/2010/main" xmlns="" w="9525">
+                <a14:hiddenLine xmlns="" xmlns:a14="http://schemas.microsoft.com/office/drawing/2010/main" w="9525">
                   <a:solidFill>
                     <a:srgbClr val="000000"/>
                   </a:solidFill>
@@ -3175,7 +3180,7 @@
             </a:ln>
             <a:extLst>
               <a:ext uri="{91240B29-F687-4f45-9708-019B960494DF}">
-                <a14:hiddenLine xmlns:a14="http://schemas.microsoft.com/office/drawing/2010/main" xmlns="" w="9525">
+                <a14:hiddenLine xmlns="" xmlns:a14="http://schemas.microsoft.com/office/drawing/2010/main" w="9525">
                   <a:solidFill>
                     <a:srgbClr val="000000"/>
                   </a:solidFill>
@@ -3209,7 +3214,7 @@
             </a:ln>
             <a:extLst>
               <a:ext uri="{91240B29-F687-4f45-9708-019B960494DF}">
-                <a14:hiddenLine xmlns:a14="http://schemas.microsoft.com/office/drawing/2010/main" xmlns="" w="9525">
+                <a14:hiddenLine xmlns="" xmlns:a14="http://schemas.microsoft.com/office/drawing/2010/main" w="9525">
                   <a:solidFill>
                     <a:srgbClr val="000000"/>
                   </a:solidFill>
@@ -3274,7 +3279,7 @@
             </a:ln>
             <a:extLst>
               <a:ext uri="{91240B29-F687-4f45-9708-019B960494DF}">
-                <a14:hiddenLine xmlns:a14="http://schemas.microsoft.com/office/drawing/2010/main" xmlns="" w="9525">
+                <a14:hiddenLine xmlns="" xmlns:a14="http://schemas.microsoft.com/office/drawing/2010/main" w="9525">
                   <a:solidFill>
                     <a:srgbClr val="000000"/>
                   </a:solidFill>
@@ -3364,7 +3369,7 @@
             </a:ln>
             <a:extLst>
               <a:ext uri="{91240B29-F687-4f45-9708-019B960494DF}">
-                <a14:hiddenLine xmlns:a14="http://schemas.microsoft.com/office/drawing/2010/main" xmlns="" w="9525">
+                <a14:hiddenLine xmlns="" xmlns:a14="http://schemas.microsoft.com/office/drawing/2010/main" w="9525">
                   <a:solidFill>
                     <a:srgbClr val="000000"/>
                   </a:solidFill>
@@ -3426,7 +3431,7 @@
             </a:ln>
             <a:extLst>
               <a:ext uri="{91240B29-F687-4f45-9708-019B960494DF}">
-                <a14:hiddenLine xmlns:a14="http://schemas.microsoft.com/office/drawing/2010/main" xmlns="" w="9525">
+                <a14:hiddenLine xmlns="" xmlns:a14="http://schemas.microsoft.com/office/drawing/2010/main" w="9525">
                   <a:solidFill>
                     <a:srgbClr val="000000"/>
                   </a:solidFill>
@@ -3516,7 +3521,7 @@
             </a:ln>
             <a:extLst>
               <a:ext uri="{91240B29-F687-4f45-9708-019B960494DF}">
-                <a14:hiddenLine xmlns:a14="http://schemas.microsoft.com/office/drawing/2010/main" xmlns="" w="9525">
+                <a14:hiddenLine xmlns="" xmlns:a14="http://schemas.microsoft.com/office/drawing/2010/main" w="9525">
                   <a:solidFill>
                     <a:srgbClr val="000000"/>
                   </a:solidFill>
@@ -3606,7 +3611,7 @@
             </a:ln>
             <a:extLst>
               <a:ext uri="{91240B29-F687-4f45-9708-019B960494DF}">
-                <a14:hiddenLine xmlns:a14="http://schemas.microsoft.com/office/drawing/2010/main" xmlns="" w="9525">
+                <a14:hiddenLine xmlns="" xmlns:a14="http://schemas.microsoft.com/office/drawing/2010/main" w="9525">
                   <a:solidFill>
                     <a:srgbClr val="000000"/>
                   </a:solidFill>
@@ -3671,7 +3676,7 @@
             </a:ln>
             <a:extLst>
               <a:ext uri="{91240B29-F687-4f45-9708-019B960494DF}">
-                <a14:hiddenLine xmlns:a14="http://schemas.microsoft.com/office/drawing/2010/main" xmlns="" w="9525">
+                <a14:hiddenLine xmlns="" xmlns:a14="http://schemas.microsoft.com/office/drawing/2010/main" w="9525">
                   <a:solidFill>
                     <a:srgbClr val="000000"/>
                   </a:solidFill>
@@ -3733,7 +3738,7 @@
             </a:ln>
             <a:extLst>
               <a:ext uri="{91240B29-F687-4f45-9708-019B960494DF}">
-                <a14:hiddenLine xmlns:a14="http://schemas.microsoft.com/office/drawing/2010/main" xmlns="" w="9525">
+                <a14:hiddenLine xmlns="" xmlns:a14="http://schemas.microsoft.com/office/drawing/2010/main" w="9525">
                   <a:solidFill>
                     <a:srgbClr val="000000"/>
                   </a:solidFill>
@@ -3823,7 +3828,7 @@
             </a:ln>
             <a:extLst>
               <a:ext uri="{91240B29-F687-4f45-9708-019B960494DF}">
-                <a14:hiddenLine xmlns:a14="http://schemas.microsoft.com/office/drawing/2010/main" xmlns="" w="9525">
+                <a14:hiddenLine xmlns="" xmlns:a14="http://schemas.microsoft.com/office/drawing/2010/main" w="9525">
                   <a:solidFill>
                     <a:srgbClr val="000000"/>
                   </a:solidFill>
@@ -3913,7 +3918,7 @@
             </a:ln>
             <a:extLst>
               <a:ext uri="{91240B29-F687-4f45-9708-019B960494DF}">
-                <a14:hiddenLine xmlns:a14="http://schemas.microsoft.com/office/drawing/2010/main" xmlns="" w="9525">
+                <a14:hiddenLine xmlns="" xmlns:a14="http://schemas.microsoft.com/office/drawing/2010/main" w="9525">
                   <a:solidFill>
                     <a:srgbClr val="000000"/>
                   </a:solidFill>
@@ -3975,7 +3980,7 @@
             </a:ln>
             <a:extLst>
               <a:ext uri="{91240B29-F687-4f45-9708-019B960494DF}">
-                <a14:hiddenLine xmlns:a14="http://schemas.microsoft.com/office/drawing/2010/main" xmlns="" w="9525">
+                <a14:hiddenLine xmlns="" xmlns:a14="http://schemas.microsoft.com/office/drawing/2010/main" w="9525">
                   <a:solidFill>
                     <a:srgbClr val="000000"/>
                   </a:solidFill>
@@ -4095,7 +4100,7 @@
             </a:ln>
             <a:extLst>
               <a:ext uri="{91240B29-F687-4f45-9708-019B960494DF}">
-                <a14:hiddenLine xmlns:a14="http://schemas.microsoft.com/office/drawing/2010/main" xmlns="" w="9525">
+                <a14:hiddenLine xmlns="" xmlns:a14="http://schemas.microsoft.com/office/drawing/2010/main" w="9525">
                   <a:solidFill>
                     <a:srgbClr val="000000"/>
                   </a:solidFill>
@@ -4163,7 +4168,7 @@
             </a:ln>
             <a:extLst>
               <a:ext uri="{91240B29-F687-4f45-9708-019B960494DF}">
-                <a14:hiddenLine xmlns:a14="http://schemas.microsoft.com/office/drawing/2010/main" xmlns="" w="9525">
+                <a14:hiddenLine xmlns="" xmlns:a14="http://schemas.microsoft.com/office/drawing/2010/main" w="9525">
                   <a:solidFill>
                     <a:srgbClr val="000000"/>
                   </a:solidFill>
@@ -4253,7 +4258,7 @@
             </a:ln>
             <a:extLst>
               <a:ext uri="{91240B29-F687-4f45-9708-019B960494DF}">
-                <a14:hiddenLine xmlns:a14="http://schemas.microsoft.com/office/drawing/2010/main" xmlns="" w="9525">
+                <a14:hiddenLine xmlns="" xmlns:a14="http://schemas.microsoft.com/office/drawing/2010/main" w="9525">
                   <a:solidFill>
                     <a:srgbClr val="000000"/>
                   </a:solidFill>
@@ -9060,7 +9065,7 @@
           <a:noFill/>
           <a:extLst>
             <a:ext uri="{909E8E84-426E-40dd-AFC4-6F175D3DCCD1}">
-              <a14:hiddenFill xmlns:a14="http://schemas.microsoft.com/office/drawing/2010/main" xmlns="">
+              <a14:hiddenFill xmlns="" xmlns:a14="http://schemas.microsoft.com/office/drawing/2010/main">
                 <a:solidFill>
                   <a:srgbClr val="FFFFFF"/>
                 </a:solidFill>
@@ -9134,7 +9139,7 @@
               </a:ln>
               <a:extLst>
                 <a:ext uri="{91240B29-F687-4f45-9708-019B960494DF}">
-                  <a14:hiddenLine xmlns:a14="http://schemas.microsoft.com/office/drawing/2010/main" xmlns="" w="9525">
+                  <a14:hiddenLine xmlns="" xmlns:a14="http://schemas.microsoft.com/office/drawing/2010/main" w="9525">
                     <a:solidFill>
                       <a:srgbClr val="000000"/>
                     </a:solidFill>
@@ -9224,7 +9229,7 @@
               </a:ln>
               <a:extLst>
                 <a:ext uri="{91240B29-F687-4f45-9708-019B960494DF}">
-                  <a14:hiddenLine xmlns:a14="http://schemas.microsoft.com/office/drawing/2010/main" xmlns="" w="9525">
+                  <a14:hiddenLine xmlns="" xmlns:a14="http://schemas.microsoft.com/office/drawing/2010/main" w="9525">
                     <a:solidFill>
                       <a:srgbClr val="000000"/>
                     </a:solidFill>
@@ -9314,7 +9319,7 @@
               </a:ln>
               <a:extLst>
                 <a:ext uri="{91240B29-F687-4f45-9708-019B960494DF}">
-                  <a14:hiddenLine xmlns:a14="http://schemas.microsoft.com/office/drawing/2010/main" xmlns="" w="9525">
+                  <a14:hiddenLine xmlns="" xmlns:a14="http://schemas.microsoft.com/office/drawing/2010/main" w="9525">
                     <a:solidFill>
                       <a:srgbClr val="000000"/>
                     </a:solidFill>
@@ -9376,7 +9381,7 @@
               </a:ln>
               <a:extLst>
                 <a:ext uri="{91240B29-F687-4f45-9708-019B960494DF}">
-                  <a14:hiddenLine xmlns:a14="http://schemas.microsoft.com/office/drawing/2010/main" xmlns="" w="9525">
+                  <a14:hiddenLine xmlns="" xmlns:a14="http://schemas.microsoft.com/office/drawing/2010/main" w="9525">
                     <a:solidFill>
                       <a:srgbClr val="000000"/>
                     </a:solidFill>
@@ -9466,7 +9471,7 @@
               </a:ln>
               <a:extLst>
                 <a:ext uri="{91240B29-F687-4f45-9708-019B960494DF}">
-                  <a14:hiddenLine xmlns:a14="http://schemas.microsoft.com/office/drawing/2010/main" xmlns="" w="9525">
+                  <a14:hiddenLine xmlns="" xmlns:a14="http://schemas.microsoft.com/office/drawing/2010/main" w="9525">
                     <a:solidFill>
                       <a:srgbClr val="000000"/>
                     </a:solidFill>
@@ -9528,7 +9533,7 @@
               </a:ln>
               <a:extLst>
                 <a:ext uri="{91240B29-F687-4f45-9708-019B960494DF}">
-                  <a14:hiddenLine xmlns:a14="http://schemas.microsoft.com/office/drawing/2010/main" xmlns="" w="9525">
+                  <a14:hiddenLine xmlns="" xmlns:a14="http://schemas.microsoft.com/office/drawing/2010/main" w="9525">
                     <a:solidFill>
                       <a:srgbClr val="000000"/>
                     </a:solidFill>
@@ -9590,7 +9595,7 @@
               </a:ln>
               <a:extLst>
                 <a:ext uri="{91240B29-F687-4f45-9708-019B960494DF}">
-                  <a14:hiddenLine xmlns:a14="http://schemas.microsoft.com/office/drawing/2010/main" xmlns="" w="9525">
+                  <a14:hiddenLine xmlns="" xmlns:a14="http://schemas.microsoft.com/office/drawing/2010/main" w="9525">
                     <a:solidFill>
                       <a:srgbClr val="000000"/>
                     </a:solidFill>
@@ -9680,7 +9685,7 @@
               </a:ln>
               <a:extLst>
                 <a:ext uri="{91240B29-F687-4f45-9708-019B960494DF}">
-                  <a14:hiddenLine xmlns:a14="http://schemas.microsoft.com/office/drawing/2010/main" xmlns="" w="9525">
+                  <a14:hiddenLine xmlns="" xmlns:a14="http://schemas.microsoft.com/office/drawing/2010/main" w="9525">
                     <a:solidFill>
                       <a:srgbClr val="000000"/>
                     </a:solidFill>
@@ -9770,7 +9775,7 @@
               </a:ln>
               <a:extLst>
                 <a:ext uri="{91240B29-F687-4f45-9708-019B960494DF}">
-                  <a14:hiddenLine xmlns:a14="http://schemas.microsoft.com/office/drawing/2010/main" xmlns="" w="9525">
+                  <a14:hiddenLine xmlns="" xmlns:a14="http://schemas.microsoft.com/office/drawing/2010/main" w="9525">
                     <a:solidFill>
                       <a:srgbClr val="000000"/>
                     </a:solidFill>
@@ -9832,7 +9837,7 @@
               </a:ln>
               <a:extLst>
                 <a:ext uri="{91240B29-F687-4f45-9708-019B960494DF}">
-                  <a14:hiddenLine xmlns:a14="http://schemas.microsoft.com/office/drawing/2010/main" xmlns="" w="9525">
+                  <a14:hiddenLine xmlns="" xmlns:a14="http://schemas.microsoft.com/office/drawing/2010/main" w="9525">
                     <a:solidFill>
                       <a:srgbClr val="000000"/>
                     </a:solidFill>
@@ -9942,7 +9947,7 @@
               </a:ln>
               <a:extLst>
                 <a:ext uri="{91240B29-F687-4f45-9708-019B960494DF}">
-                  <a14:hiddenLine xmlns:a14="http://schemas.microsoft.com/office/drawing/2010/main" xmlns="" w="9525">
+                  <a14:hiddenLine xmlns="" xmlns:a14="http://schemas.microsoft.com/office/drawing/2010/main" w="9525">
                     <a:solidFill>
                       <a:srgbClr val="000000"/>
                     </a:solidFill>
@@ -10026,7 +10031,7 @@
               </a:ln>
               <a:extLst>
                 <a:ext uri="{91240B29-F687-4f45-9708-019B960494DF}">
-                  <a14:hiddenLine xmlns:a14="http://schemas.microsoft.com/office/drawing/2010/main" xmlns="" w="9525">
+                  <a14:hiddenLine xmlns="" xmlns:a14="http://schemas.microsoft.com/office/drawing/2010/main" w="9525">
                     <a:solidFill>
                       <a:srgbClr val="000000"/>
                     </a:solidFill>
@@ -10088,7 +10093,7 @@
               </a:ln>
               <a:extLst>
                 <a:ext uri="{91240B29-F687-4f45-9708-019B960494DF}">
-                  <a14:hiddenLine xmlns:a14="http://schemas.microsoft.com/office/drawing/2010/main" xmlns="" w="9525">
+                  <a14:hiddenLine xmlns="" xmlns:a14="http://schemas.microsoft.com/office/drawing/2010/main" w="9525">
                     <a:solidFill>
                       <a:srgbClr val="000000"/>
                     </a:solidFill>
@@ -10150,7 +10155,7 @@
               </a:ln>
               <a:extLst>
                 <a:ext uri="{91240B29-F687-4f45-9708-019B960494DF}">
-                  <a14:hiddenLine xmlns:a14="http://schemas.microsoft.com/office/drawing/2010/main" xmlns="" w="9525">
+                  <a14:hiddenLine xmlns="" xmlns:a14="http://schemas.microsoft.com/office/drawing/2010/main" w="9525">
                     <a:solidFill>
                       <a:srgbClr val="000000"/>
                     </a:solidFill>
@@ -10240,7 +10245,7 @@
               </a:ln>
               <a:extLst>
                 <a:ext uri="{91240B29-F687-4f45-9708-019B960494DF}">
-                  <a14:hiddenLine xmlns:a14="http://schemas.microsoft.com/office/drawing/2010/main" xmlns="" w="9525">
+                  <a14:hiddenLine xmlns="" xmlns:a14="http://schemas.microsoft.com/office/drawing/2010/main" w="9525">
                     <a:solidFill>
                       <a:srgbClr val="000000"/>
                     </a:solidFill>
@@ -10274,7 +10279,7 @@
               </a:ln>
               <a:extLst>
                 <a:ext uri="{91240B29-F687-4f45-9708-019B960494DF}">
-                  <a14:hiddenLine xmlns:a14="http://schemas.microsoft.com/office/drawing/2010/main" xmlns="" w="9525">
+                  <a14:hiddenLine xmlns="" xmlns:a14="http://schemas.microsoft.com/office/drawing/2010/main" w="9525">
                     <a:solidFill>
                       <a:srgbClr val="000000"/>
                     </a:solidFill>
@@ -10339,7 +10344,7 @@
               </a:ln>
               <a:extLst>
                 <a:ext uri="{91240B29-F687-4f45-9708-019B960494DF}">
-                  <a14:hiddenLine xmlns:a14="http://schemas.microsoft.com/office/drawing/2010/main" xmlns="" w="9525">
+                  <a14:hiddenLine xmlns="" xmlns:a14="http://schemas.microsoft.com/office/drawing/2010/main" w="9525">
                     <a:solidFill>
                       <a:srgbClr val="000000"/>
                     </a:solidFill>
@@ -10429,7 +10434,7 @@
               </a:ln>
               <a:extLst>
                 <a:ext uri="{91240B29-F687-4f45-9708-019B960494DF}">
-                  <a14:hiddenLine xmlns:a14="http://schemas.microsoft.com/office/drawing/2010/main" xmlns="" w="9525">
+                  <a14:hiddenLine xmlns="" xmlns:a14="http://schemas.microsoft.com/office/drawing/2010/main" w="9525">
                     <a:solidFill>
                       <a:srgbClr val="000000"/>
                     </a:solidFill>
@@ -10491,7 +10496,7 @@
               </a:ln>
               <a:extLst>
                 <a:ext uri="{91240B29-F687-4f45-9708-019B960494DF}">
-                  <a14:hiddenLine xmlns:a14="http://schemas.microsoft.com/office/drawing/2010/main" xmlns="" w="9525">
+                  <a14:hiddenLine xmlns="" xmlns:a14="http://schemas.microsoft.com/office/drawing/2010/main" w="9525">
                     <a:solidFill>
                       <a:srgbClr val="000000"/>
                     </a:solidFill>
@@ -10581,7 +10586,7 @@
               </a:ln>
               <a:extLst>
                 <a:ext uri="{91240B29-F687-4f45-9708-019B960494DF}">
-                  <a14:hiddenLine xmlns:a14="http://schemas.microsoft.com/office/drawing/2010/main" xmlns="" w="9525">
+                  <a14:hiddenLine xmlns="" xmlns:a14="http://schemas.microsoft.com/office/drawing/2010/main" w="9525">
                     <a:solidFill>
                       <a:srgbClr val="000000"/>
                     </a:solidFill>
@@ -10646,7 +10651,7 @@
               </a:ln>
               <a:extLst>
                 <a:ext uri="{91240B29-F687-4f45-9708-019B960494DF}">
-                  <a14:hiddenLine xmlns:a14="http://schemas.microsoft.com/office/drawing/2010/main" xmlns="" w="9525">
+                  <a14:hiddenLine xmlns="" xmlns:a14="http://schemas.microsoft.com/office/drawing/2010/main" w="9525">
                     <a:solidFill>
                       <a:srgbClr val="000000"/>
                     </a:solidFill>
@@ -10708,7 +10713,7 @@
               </a:ln>
               <a:extLst>
                 <a:ext uri="{91240B29-F687-4f45-9708-019B960494DF}">
-                  <a14:hiddenLine xmlns:a14="http://schemas.microsoft.com/office/drawing/2010/main" xmlns="" w="9525">
+                  <a14:hiddenLine xmlns="" xmlns:a14="http://schemas.microsoft.com/office/drawing/2010/main" w="9525">
                     <a:solidFill>
                       <a:srgbClr val="000000"/>
                     </a:solidFill>
@@ -10798,7 +10803,7 @@
               </a:ln>
               <a:extLst>
                 <a:ext uri="{91240B29-F687-4f45-9708-019B960494DF}">
-                  <a14:hiddenLine xmlns:a14="http://schemas.microsoft.com/office/drawing/2010/main" xmlns="" w="9525">
+                  <a14:hiddenLine xmlns="" xmlns:a14="http://schemas.microsoft.com/office/drawing/2010/main" w="9525">
                     <a:solidFill>
                       <a:srgbClr val="000000"/>
                     </a:solidFill>
@@ -10888,7 +10893,7 @@
               </a:ln>
               <a:extLst>
                 <a:ext uri="{91240B29-F687-4f45-9708-019B960494DF}">
-                  <a14:hiddenLine xmlns:a14="http://schemas.microsoft.com/office/drawing/2010/main" xmlns="" w="9525">
+                  <a14:hiddenLine xmlns="" xmlns:a14="http://schemas.microsoft.com/office/drawing/2010/main" w="9525">
                     <a:solidFill>
                       <a:srgbClr val="000000"/>
                     </a:solidFill>
@@ -10953,7 +10958,7 @@
               </a:ln>
               <a:extLst>
                 <a:ext uri="{91240B29-F687-4f45-9708-019B960494DF}">
-                  <a14:hiddenLine xmlns:a14="http://schemas.microsoft.com/office/drawing/2010/main" xmlns="" w="9525">
+                  <a14:hiddenLine xmlns="" xmlns:a14="http://schemas.microsoft.com/office/drawing/2010/main" w="9525">
                     <a:solidFill>
                       <a:srgbClr val="000000"/>
                     </a:solidFill>
@@ -11073,7 +11078,7 @@
               </a:ln>
               <a:extLst>
                 <a:ext uri="{91240B29-F687-4f45-9708-019B960494DF}">
-                  <a14:hiddenLine xmlns:a14="http://schemas.microsoft.com/office/drawing/2010/main" xmlns="" w="9525">
+                  <a14:hiddenLine xmlns="" xmlns:a14="http://schemas.microsoft.com/office/drawing/2010/main" w="9525">
                     <a:solidFill>
                       <a:srgbClr val="000000"/>
                     </a:solidFill>
@@ -11171,7 +11176,7 @@
               </a:ln>
               <a:extLst>
                 <a:ext uri="{91240B29-F687-4f45-9708-019B960494DF}">
-                  <a14:hiddenLine xmlns:a14="http://schemas.microsoft.com/office/drawing/2010/main" xmlns="" w="9525">
+                  <a14:hiddenLine xmlns="" xmlns:a14="http://schemas.microsoft.com/office/drawing/2010/main" w="9525">
                     <a:solidFill>
                       <a:srgbClr val="000000"/>
                     </a:solidFill>
@@ -11286,7 +11291,7 @@
               </a:ln>
               <a:extLst>
                 <a:ext uri="{91240B29-F687-4f45-9708-019B960494DF}">
-                  <a14:hiddenLine xmlns:a14="http://schemas.microsoft.com/office/drawing/2010/main" xmlns="" w="9525">
+                  <a14:hiddenLine xmlns="" xmlns:a14="http://schemas.microsoft.com/office/drawing/2010/main" w="9525">
                     <a:solidFill>
                       <a:srgbClr val="000000"/>
                     </a:solidFill>
@@ -11376,7 +11381,7 @@
               </a:ln>
               <a:extLst>
                 <a:ext uri="{91240B29-F687-4f45-9708-019B960494DF}">
-                  <a14:hiddenLine xmlns:a14="http://schemas.microsoft.com/office/drawing/2010/main" xmlns="" w="9525">
+                  <a14:hiddenLine xmlns="" xmlns:a14="http://schemas.microsoft.com/office/drawing/2010/main" w="9525">
                     <a:solidFill>
                       <a:srgbClr val="000000"/>
                     </a:solidFill>
@@ -11441,7 +11446,7 @@
               </a:ln>
               <a:extLst>
                 <a:ext uri="{91240B29-F687-4f45-9708-019B960494DF}">
-                  <a14:hiddenLine xmlns:a14="http://schemas.microsoft.com/office/drawing/2010/main" xmlns="" w="9525">
+                  <a14:hiddenLine xmlns="" xmlns:a14="http://schemas.microsoft.com/office/drawing/2010/main" w="9525">
                     <a:solidFill>
                       <a:srgbClr val="000000"/>
                     </a:solidFill>
@@ -11531,7 +11536,7 @@
               </a:ln>
               <a:extLst>
                 <a:ext uri="{91240B29-F687-4f45-9708-019B960494DF}">
-                  <a14:hiddenLine xmlns:a14="http://schemas.microsoft.com/office/drawing/2010/main" xmlns="" w="9525">
+                  <a14:hiddenLine xmlns="" xmlns:a14="http://schemas.microsoft.com/office/drawing/2010/main" w="9525">
                     <a:solidFill>
                       <a:srgbClr val="000000"/>
                     </a:solidFill>
@@ -11599,7 +11604,7 @@
               </a:ln>
               <a:extLst>
                 <a:ext uri="{91240B29-F687-4f45-9708-019B960494DF}">
-                  <a14:hiddenLine xmlns:a14="http://schemas.microsoft.com/office/drawing/2010/main" xmlns="" w="9525">
+                  <a14:hiddenLine xmlns="" xmlns:a14="http://schemas.microsoft.com/office/drawing/2010/main" w="9525">
                     <a:solidFill>
                       <a:srgbClr val="000000"/>
                     </a:solidFill>
@@ -11689,7 +11694,7 @@
               </a:ln>
               <a:extLst>
                 <a:ext uri="{91240B29-F687-4f45-9708-019B960494DF}">
-                  <a14:hiddenLine xmlns:a14="http://schemas.microsoft.com/office/drawing/2010/main" xmlns="" w="9525">
+                  <a14:hiddenLine xmlns="" xmlns:a14="http://schemas.microsoft.com/office/drawing/2010/main" w="9525">
                     <a:solidFill>
                       <a:srgbClr val="000000"/>
                     </a:solidFill>
@@ -11757,7 +11762,7 @@
               </a:ln>
               <a:extLst>
                 <a:ext uri="{91240B29-F687-4f45-9708-019B960494DF}">
-                  <a14:hiddenLine xmlns:a14="http://schemas.microsoft.com/office/drawing/2010/main" xmlns="" w="9525">
+                  <a14:hiddenLine xmlns="" xmlns:a14="http://schemas.microsoft.com/office/drawing/2010/main" w="9525">
                     <a:solidFill>
                       <a:srgbClr val="000000"/>
                     </a:solidFill>
@@ -11847,7 +11852,7 @@
               </a:ln>
               <a:extLst>
                 <a:ext uri="{91240B29-F687-4f45-9708-019B960494DF}">
-                  <a14:hiddenLine xmlns:a14="http://schemas.microsoft.com/office/drawing/2010/main" xmlns="" w="9525">
+                  <a14:hiddenLine xmlns="" xmlns:a14="http://schemas.microsoft.com/office/drawing/2010/main" w="9525">
                     <a:solidFill>
                       <a:srgbClr val="000000"/>
                     </a:solidFill>
@@ -11881,7 +11886,7 @@
               </a:ln>
               <a:extLst>
                 <a:ext uri="{91240B29-F687-4f45-9708-019B960494DF}">
-                  <a14:hiddenLine xmlns:a14="http://schemas.microsoft.com/office/drawing/2010/main" xmlns="" w="9525">
+                  <a14:hiddenLine xmlns="" xmlns:a14="http://schemas.microsoft.com/office/drawing/2010/main" w="9525">
                     <a:solidFill>
                       <a:srgbClr val="000000"/>
                     </a:solidFill>
@@ -12481,8 +12486,8 @@
         </p:nvSpPr>
         <p:spPr>
           <a:xfrm>
-            <a:off x="3497407" y="5779972"/>
-            <a:ext cx="6477866" cy="554327"/>
+            <a:off x="2807450" y="4972834"/>
+            <a:ext cx="8101618" cy="1311362"/>
           </a:xfrm>
         </p:spPr>
         <p:txBody>
@@ -12492,8 +12497,34 @@
           <a:lstStyle/>
           <a:p>
             <a:r>
-              <a:rPr lang="ru-RU" smtClean="0"/>
-              <a:t>Подготовил: Кабринович Е.Н.</a:t>
+              <a:rPr lang="ru-RU" dirty="0" smtClean="0"/>
+              <a:t>Подготовил: Кабринович </a:t>
+            </a:r>
+            <a:r>
+              <a:rPr lang="ru-RU" dirty="0" smtClean="0"/>
+              <a:t>Е.Н.</a:t>
+            </a:r>
+          </a:p>
+          <a:p>
+            <a:r>
+              <a:rPr lang="ru-RU" dirty="0" smtClean="0"/>
+              <a:t>Руководитель: </a:t>
+            </a:r>
+            <a:r>
+              <a:rPr lang="ru-RU" dirty="0" err="1" smtClean="0"/>
+              <a:t>байрак</a:t>
+            </a:r>
+            <a:r>
+              <a:rPr lang="ru-RU" dirty="0" smtClean="0"/>
+              <a:t> </a:t>
+            </a:r>
+            <a:r>
+              <a:rPr lang="ru-RU" dirty="0" err="1" smtClean="0"/>
+              <a:t>с.а</a:t>
+            </a:r>
+            <a:r>
+              <a:rPr lang="ru-RU" dirty="0" smtClean="0"/>
+              <a:t>.</a:t>
             </a:r>
             <a:endParaRPr lang="be-BY" dirty="0"/>
           </a:p>

--- a/Презентация.pptx
+++ b/Презентация.pptx
@@ -2,7 +2,7 @@
 <file path=ppt/presentation.xml><?xml version="1.0" encoding="utf-8"?>
 <p:presentation xmlns:a="http://schemas.openxmlformats.org/drawingml/2006/main" xmlns:r="http://schemas.openxmlformats.org/officeDocument/2006/relationships" xmlns:p="http://schemas.openxmlformats.org/presentationml/2006/main" saveSubsetFonts="1">
   <p:sldMasterIdLst>
-    <p:sldMasterId id="2147483660" r:id="rId1"/>
+    <p:sldMasterId id="2147484097" r:id="rId1"/>
   </p:sldMasterIdLst>
   <p:sldIdLst>
     <p:sldId id="256" r:id="rId2"/>
@@ -150,6 +150,13 @@
         <p:blipFill>
           <a:blip r:embed="rId2">
             <a:alphaModFix amt="30000"/>
+            <a:duotone>
+              <a:prstClr val="black"/>
+              <a:schemeClr val="tx2">
+                <a:tint val="45000"/>
+                <a:satMod val="400000"/>
+              </a:schemeClr>
+            </a:duotone>
             <a:extLst>
               <a:ext uri="{28A0092B-C50C-407E-A947-70E740481C1C}">
                 <a14:useLocalDpi xmlns:a14="http://schemas.microsoft.com/office/drawing/2010/main" val="0"/>
@@ -172,7 +179,7 @@
           <a:noFill/>
           <a:extLst>
             <a:ext uri="{909E8E84-426E-40dd-AFC4-6F175D3DCCD1}">
-              <a14:hiddenFill xmlns="" xmlns:a14="http://schemas.microsoft.com/office/drawing/2010/main">
+              <a14:hiddenFill xmlns:a14="http://schemas.microsoft.com/office/drawing/2010/main" xmlns="">
                 <a:solidFill>
                   <a:srgbClr val="FFFFFF"/>
                 </a:solidFill>
@@ -200,9 +207,8 @@
                 <a:schemeClr val="tx2"/>
               </a:gs>
               <a:gs pos="100000">
-                <a:schemeClr val="bg2">
-                  <a:lumMod val="60000"/>
-                  <a:lumOff val="40000"/>
+                <a:schemeClr val="tx2">
+                  <a:lumMod val="50000"/>
                 </a:schemeClr>
               </a:gs>
             </a:gsLst>
@@ -232,7 +238,7 @@
             </a:ln>
             <a:extLst>
               <a:ext uri="{91240B29-F687-4f45-9708-019B960494DF}">
-                <a14:hiddenLine xmlns="" xmlns:a14="http://schemas.microsoft.com/office/drawing/2010/main" w="9525">
+                <a14:hiddenLine xmlns:a14="http://schemas.microsoft.com/office/drawing/2010/main" xmlns="" w="9525">
                   <a:solidFill>
                     <a:srgbClr val="000000"/>
                   </a:solidFill>
@@ -322,7 +328,7 @@
             </a:ln>
             <a:extLst>
               <a:ext uri="{91240B29-F687-4f45-9708-019B960494DF}">
-                <a14:hiddenLine xmlns="" xmlns:a14="http://schemas.microsoft.com/office/drawing/2010/main" w="9525">
+                <a14:hiddenLine xmlns:a14="http://schemas.microsoft.com/office/drawing/2010/main" xmlns="" w="9525">
                   <a:solidFill>
                     <a:srgbClr val="000000"/>
                   </a:solidFill>
@@ -412,7 +418,7 @@
             </a:ln>
             <a:extLst>
               <a:ext uri="{91240B29-F687-4f45-9708-019B960494DF}">
-                <a14:hiddenLine xmlns="" xmlns:a14="http://schemas.microsoft.com/office/drawing/2010/main" w="9525">
+                <a14:hiddenLine xmlns:a14="http://schemas.microsoft.com/office/drawing/2010/main" xmlns="" w="9525">
                   <a:solidFill>
                     <a:srgbClr val="000000"/>
                   </a:solidFill>
@@ -446,7 +452,7 @@
             </a:ln>
             <a:extLst>
               <a:ext uri="{91240B29-F687-4f45-9708-019B960494DF}">
-                <a14:hiddenLine xmlns="" xmlns:a14="http://schemas.microsoft.com/office/drawing/2010/main" w="9525">
+                <a14:hiddenLine xmlns:a14="http://schemas.microsoft.com/office/drawing/2010/main" xmlns="" w="9525">
                   <a:solidFill>
                     <a:srgbClr val="000000"/>
                   </a:solidFill>
@@ -536,7 +542,7 @@
             </a:ln>
             <a:extLst>
               <a:ext uri="{91240B29-F687-4f45-9708-019B960494DF}">
-                <a14:hiddenLine xmlns="" xmlns:a14="http://schemas.microsoft.com/office/drawing/2010/main" w="9525">
+                <a14:hiddenLine xmlns:a14="http://schemas.microsoft.com/office/drawing/2010/main" xmlns="" w="9525">
                   <a:solidFill>
                     <a:srgbClr val="000000"/>
                   </a:solidFill>
@@ -598,7 +604,7 @@
             </a:ln>
             <a:extLst>
               <a:ext uri="{91240B29-F687-4f45-9708-019B960494DF}">
-                <a14:hiddenLine xmlns="" xmlns:a14="http://schemas.microsoft.com/office/drawing/2010/main" w="9525">
+                <a14:hiddenLine xmlns:a14="http://schemas.microsoft.com/office/drawing/2010/main" xmlns="" w="9525">
                   <a:solidFill>
                     <a:srgbClr val="000000"/>
                   </a:solidFill>
@@ -660,7 +666,7 @@
             </a:ln>
             <a:extLst>
               <a:ext uri="{91240B29-F687-4f45-9708-019B960494DF}">
-                <a14:hiddenLine xmlns="" xmlns:a14="http://schemas.microsoft.com/office/drawing/2010/main" w="9525">
+                <a14:hiddenLine xmlns:a14="http://schemas.microsoft.com/office/drawing/2010/main" xmlns="" w="9525">
                   <a:solidFill>
                     <a:srgbClr val="000000"/>
                   </a:solidFill>
@@ -750,7 +756,7 @@
             </a:ln>
             <a:extLst>
               <a:ext uri="{91240B29-F687-4f45-9708-019B960494DF}">
-                <a14:hiddenLine xmlns="" xmlns:a14="http://schemas.microsoft.com/office/drawing/2010/main" w="9525">
+                <a14:hiddenLine xmlns:a14="http://schemas.microsoft.com/office/drawing/2010/main" xmlns="" w="9525">
                   <a:solidFill>
                     <a:srgbClr val="000000"/>
                   </a:solidFill>
@@ -812,7 +818,7 @@
             </a:ln>
             <a:extLst>
               <a:ext uri="{91240B29-F687-4f45-9708-019B960494DF}">
-                <a14:hiddenLine xmlns="" xmlns:a14="http://schemas.microsoft.com/office/drawing/2010/main" w="9525">
+                <a14:hiddenLine xmlns:a14="http://schemas.microsoft.com/office/drawing/2010/main" xmlns="" w="9525">
                   <a:solidFill>
                     <a:srgbClr val="000000"/>
                   </a:solidFill>
@@ -874,7 +880,7 @@
             </a:ln>
             <a:extLst>
               <a:ext uri="{91240B29-F687-4f45-9708-019B960494DF}">
-                <a14:hiddenLine xmlns="" xmlns:a14="http://schemas.microsoft.com/office/drawing/2010/main" w="9525">
+                <a14:hiddenLine xmlns:a14="http://schemas.microsoft.com/office/drawing/2010/main" xmlns="" w="9525">
                   <a:solidFill>
                     <a:srgbClr val="000000"/>
                   </a:solidFill>
@@ -964,7 +970,7 @@
             </a:ln>
             <a:extLst>
               <a:ext uri="{91240B29-F687-4f45-9708-019B960494DF}">
-                <a14:hiddenLine xmlns="" xmlns:a14="http://schemas.microsoft.com/office/drawing/2010/main" w="9525">
+                <a14:hiddenLine xmlns:a14="http://schemas.microsoft.com/office/drawing/2010/main" xmlns="" w="9525">
                   <a:solidFill>
                     <a:srgbClr val="000000"/>
                   </a:solidFill>
@@ -1054,7 +1060,7 @@
             </a:ln>
             <a:extLst>
               <a:ext uri="{91240B29-F687-4f45-9708-019B960494DF}">
-                <a14:hiddenLine xmlns="" xmlns:a14="http://schemas.microsoft.com/office/drawing/2010/main" w="9525">
+                <a14:hiddenLine xmlns:a14="http://schemas.microsoft.com/office/drawing/2010/main" xmlns="" w="9525">
                   <a:solidFill>
                     <a:srgbClr val="000000"/>
                   </a:solidFill>
@@ -1116,7 +1122,7 @@
             </a:ln>
             <a:extLst>
               <a:ext uri="{91240B29-F687-4f45-9708-019B960494DF}">
-                <a14:hiddenLine xmlns="" xmlns:a14="http://schemas.microsoft.com/office/drawing/2010/main" w="9525">
+                <a14:hiddenLine xmlns:a14="http://schemas.microsoft.com/office/drawing/2010/main" xmlns="" w="9525">
                   <a:solidFill>
                     <a:srgbClr val="000000"/>
                   </a:solidFill>
@@ -1226,7 +1232,7 @@
             </a:ln>
             <a:extLst>
               <a:ext uri="{91240B29-F687-4f45-9708-019B960494DF}">
-                <a14:hiddenLine xmlns="" xmlns:a14="http://schemas.microsoft.com/office/drawing/2010/main" w="9525">
+                <a14:hiddenLine xmlns:a14="http://schemas.microsoft.com/office/drawing/2010/main" xmlns="" w="9525">
                   <a:solidFill>
                     <a:srgbClr val="000000"/>
                   </a:solidFill>
@@ -1288,7 +1294,7 @@
             </a:ln>
             <a:extLst>
               <a:ext uri="{91240B29-F687-4f45-9708-019B960494DF}">
-                <a14:hiddenLine xmlns="" xmlns:a14="http://schemas.microsoft.com/office/drawing/2010/main" w="9525">
+                <a14:hiddenLine xmlns:a14="http://schemas.microsoft.com/office/drawing/2010/main" xmlns="" w="9525">
                   <a:solidFill>
                     <a:srgbClr val="000000"/>
                   </a:solidFill>
@@ -1378,7 +1384,7 @@
             </a:ln>
             <a:extLst>
               <a:ext uri="{91240B29-F687-4f45-9708-019B960494DF}">
-                <a14:hiddenLine xmlns="" xmlns:a14="http://schemas.microsoft.com/office/drawing/2010/main" w="9525">
+                <a14:hiddenLine xmlns:a14="http://schemas.microsoft.com/office/drawing/2010/main" xmlns="" w="9525">
                   <a:solidFill>
                     <a:srgbClr val="000000"/>
                   </a:solidFill>
@@ -1468,7 +1474,7 @@
             </a:ln>
             <a:extLst>
               <a:ext uri="{91240B29-F687-4f45-9708-019B960494DF}">
-                <a14:hiddenLine xmlns="" xmlns:a14="http://schemas.microsoft.com/office/drawing/2010/main" w="9525">
+                <a14:hiddenLine xmlns:a14="http://schemas.microsoft.com/office/drawing/2010/main" xmlns="" w="9525">
                   <a:solidFill>
                     <a:srgbClr val="000000"/>
                   </a:solidFill>
@@ -1530,7 +1536,7 @@
             </a:ln>
             <a:extLst>
               <a:ext uri="{91240B29-F687-4f45-9708-019B960494DF}">
-                <a14:hiddenLine xmlns="" xmlns:a14="http://schemas.microsoft.com/office/drawing/2010/main" w="9525">
+                <a14:hiddenLine xmlns:a14="http://schemas.microsoft.com/office/drawing/2010/main" xmlns="" w="9525">
                   <a:solidFill>
                     <a:srgbClr val="000000"/>
                   </a:solidFill>
@@ -1620,7 +1626,7 @@
             </a:ln>
             <a:extLst>
               <a:ext uri="{91240B29-F687-4f45-9708-019B960494DF}">
-                <a14:hiddenLine xmlns="" xmlns:a14="http://schemas.microsoft.com/office/drawing/2010/main" w="9525">
+                <a14:hiddenLine xmlns:a14="http://schemas.microsoft.com/office/drawing/2010/main" xmlns="" w="9525">
                   <a:solidFill>
                     <a:srgbClr val="000000"/>
                   </a:solidFill>
@@ -1710,7 +1716,7 @@
             </a:ln>
             <a:extLst>
               <a:ext uri="{91240B29-F687-4f45-9708-019B960494DF}">
-                <a14:hiddenLine xmlns="" xmlns:a14="http://schemas.microsoft.com/office/drawing/2010/main" w="9525">
+                <a14:hiddenLine xmlns:a14="http://schemas.microsoft.com/office/drawing/2010/main" xmlns="" w="9525">
                   <a:solidFill>
                     <a:srgbClr val="000000"/>
                   </a:solidFill>
@@ -1766,7 +1772,7 @@
             </a:ln>
             <a:extLst>
               <a:ext uri="{91240B29-F687-4f45-9708-019B960494DF}">
-                <a14:hiddenLine xmlns="" xmlns:a14="http://schemas.microsoft.com/office/drawing/2010/main" w="9525">
+                <a14:hiddenLine xmlns:a14="http://schemas.microsoft.com/office/drawing/2010/main" xmlns="" w="9525">
                   <a:solidFill>
                     <a:srgbClr val="000000"/>
                   </a:solidFill>
@@ -1856,7 +1862,7 @@
             </a:ln>
             <a:extLst>
               <a:ext uri="{91240B29-F687-4f45-9708-019B960494DF}">
-                <a14:hiddenLine xmlns="" xmlns:a14="http://schemas.microsoft.com/office/drawing/2010/main" w="9525">
+                <a14:hiddenLine xmlns:a14="http://schemas.microsoft.com/office/drawing/2010/main" xmlns="" w="9525">
                   <a:solidFill>
                     <a:srgbClr val="000000"/>
                   </a:solidFill>
@@ -1912,7 +1918,7 @@
             </a:ln>
             <a:extLst>
               <a:ext uri="{91240B29-F687-4f45-9708-019B960494DF}">
-                <a14:hiddenLine xmlns="" xmlns:a14="http://schemas.microsoft.com/office/drawing/2010/main" w="9525">
+                <a14:hiddenLine xmlns:a14="http://schemas.microsoft.com/office/drawing/2010/main" xmlns="" w="9525">
                   <a:solidFill>
                     <a:srgbClr val="000000"/>
                   </a:solidFill>
@@ -2002,7 +2008,7 @@
             </a:ln>
             <a:extLst>
               <a:ext uri="{91240B29-F687-4f45-9708-019B960494DF}">
-                <a14:hiddenLine xmlns="" xmlns:a14="http://schemas.microsoft.com/office/drawing/2010/main" w="9525">
+                <a14:hiddenLine xmlns:a14="http://schemas.microsoft.com/office/drawing/2010/main" xmlns="" w="9525">
                   <a:solidFill>
                     <a:srgbClr val="000000"/>
                   </a:solidFill>
@@ -2070,7 +2076,7 @@
             </a:ln>
             <a:extLst>
               <a:ext uri="{91240B29-F687-4f45-9708-019B960494DF}">
-                <a14:hiddenLine xmlns="" xmlns:a14="http://schemas.microsoft.com/office/drawing/2010/main" w="9525">
+                <a14:hiddenLine xmlns:a14="http://schemas.microsoft.com/office/drawing/2010/main" xmlns="" w="9525">
                   <a:solidFill>
                     <a:srgbClr val="000000"/>
                   </a:solidFill>
@@ -2160,7 +2166,7 @@
             </a:ln>
             <a:extLst>
               <a:ext uri="{91240B29-F687-4f45-9708-019B960494DF}">
-                <a14:hiddenLine xmlns="" xmlns:a14="http://schemas.microsoft.com/office/drawing/2010/main" w="9525">
+                <a14:hiddenLine xmlns:a14="http://schemas.microsoft.com/office/drawing/2010/main" xmlns="" w="9525">
                   <a:solidFill>
                     <a:srgbClr val="000000"/>
                   </a:solidFill>
@@ -2228,7 +2234,7 @@
             </a:ln>
             <a:extLst>
               <a:ext uri="{91240B29-F687-4f45-9708-019B960494DF}">
-                <a14:hiddenLine xmlns="" xmlns:a14="http://schemas.microsoft.com/office/drawing/2010/main" w="9525">
+                <a14:hiddenLine xmlns:a14="http://schemas.microsoft.com/office/drawing/2010/main" xmlns="" w="9525">
                   <a:solidFill>
                     <a:srgbClr val="000000"/>
                   </a:solidFill>
@@ -2318,7 +2324,7 @@
             </a:ln>
             <a:extLst>
               <a:ext uri="{91240B29-F687-4f45-9708-019B960494DF}">
-                <a14:hiddenLine xmlns="" xmlns:a14="http://schemas.microsoft.com/office/drawing/2010/main" w="9525">
+                <a14:hiddenLine xmlns:a14="http://schemas.microsoft.com/office/drawing/2010/main" xmlns="" w="9525">
                   <a:solidFill>
                     <a:srgbClr val="000000"/>
                   </a:solidFill>
@@ -2352,7 +2358,7 @@
             </a:ln>
             <a:extLst>
               <a:ext uri="{91240B29-F687-4f45-9708-019B960494DF}">
-                <a14:hiddenLine xmlns="" xmlns:a14="http://schemas.microsoft.com/office/drawing/2010/main" w="9525">
+                <a14:hiddenLine xmlns:a14="http://schemas.microsoft.com/office/drawing/2010/main" xmlns="" w="9525">
                   <a:solidFill>
                     <a:srgbClr val="000000"/>
                   </a:solidFill>
@@ -2442,7 +2448,7 @@
             </a:ln>
             <a:extLst>
               <a:ext uri="{91240B29-F687-4f45-9708-019B960494DF}">
-                <a14:hiddenLine xmlns="" xmlns:a14="http://schemas.microsoft.com/office/drawing/2010/main" w="9525">
+                <a14:hiddenLine xmlns:a14="http://schemas.microsoft.com/office/drawing/2010/main" xmlns="" w="9525">
                   <a:solidFill>
                     <a:srgbClr val="000000"/>
                   </a:solidFill>
@@ -2504,7 +2510,7 @@
             </a:ln>
             <a:extLst>
               <a:ext uri="{91240B29-F687-4f45-9708-019B960494DF}">
-                <a14:hiddenLine xmlns="" xmlns:a14="http://schemas.microsoft.com/office/drawing/2010/main" w="9525">
+                <a14:hiddenLine xmlns:a14="http://schemas.microsoft.com/office/drawing/2010/main" xmlns="" w="9525">
                   <a:solidFill>
                     <a:srgbClr val="000000"/>
                   </a:solidFill>
@@ -2566,7 +2572,7 @@
             </a:ln>
             <a:extLst>
               <a:ext uri="{91240B29-F687-4f45-9708-019B960494DF}">
-                <a14:hiddenLine xmlns="" xmlns:a14="http://schemas.microsoft.com/office/drawing/2010/main" w="9525">
+                <a14:hiddenLine xmlns:a14="http://schemas.microsoft.com/office/drawing/2010/main" xmlns="" w="9525">
                   <a:solidFill>
                     <a:srgbClr val="000000"/>
                   </a:solidFill>
@@ -2656,7 +2662,7 @@
             </a:ln>
             <a:extLst>
               <a:ext uri="{91240B29-F687-4f45-9708-019B960494DF}">
-                <a14:hiddenLine xmlns="" xmlns:a14="http://schemas.microsoft.com/office/drawing/2010/main" w="9525">
+                <a14:hiddenLine xmlns:a14="http://schemas.microsoft.com/office/drawing/2010/main" xmlns="" w="9525">
                   <a:solidFill>
                     <a:srgbClr val="000000"/>
                   </a:solidFill>
@@ -2724,7 +2730,7 @@
             </a:ln>
             <a:extLst>
               <a:ext uri="{91240B29-F687-4f45-9708-019B960494DF}">
-                <a14:hiddenLine xmlns="" xmlns:a14="http://schemas.microsoft.com/office/drawing/2010/main" w="9525">
+                <a14:hiddenLine xmlns:a14="http://schemas.microsoft.com/office/drawing/2010/main" xmlns="" w="9525">
                   <a:solidFill>
                     <a:srgbClr val="000000"/>
                   </a:solidFill>
@@ -2786,7 +2792,7 @@
             </a:ln>
             <a:extLst>
               <a:ext uri="{91240B29-F687-4f45-9708-019B960494DF}">
-                <a14:hiddenLine xmlns="" xmlns:a14="http://schemas.microsoft.com/office/drawing/2010/main" w="9525">
+                <a14:hiddenLine xmlns:a14="http://schemas.microsoft.com/office/drawing/2010/main" xmlns="" w="9525">
                   <a:solidFill>
                     <a:srgbClr val="000000"/>
                   </a:solidFill>
@@ -2876,7 +2882,7 @@
             </a:ln>
             <a:extLst>
               <a:ext uri="{91240B29-F687-4f45-9708-019B960494DF}">
-                <a14:hiddenLine xmlns="" xmlns:a14="http://schemas.microsoft.com/office/drawing/2010/main" w="9525">
+                <a14:hiddenLine xmlns:a14="http://schemas.microsoft.com/office/drawing/2010/main" xmlns="" w="9525">
                   <a:solidFill>
                     <a:srgbClr val="000000"/>
                   </a:solidFill>
@@ -2938,7 +2944,7 @@
             </a:ln>
             <a:extLst>
               <a:ext uri="{91240B29-F687-4f45-9708-019B960494DF}">
-                <a14:hiddenLine xmlns="" xmlns:a14="http://schemas.microsoft.com/office/drawing/2010/main" w="9525">
+                <a14:hiddenLine xmlns:a14="http://schemas.microsoft.com/office/drawing/2010/main" xmlns="" w="9525">
                   <a:solidFill>
                     <a:srgbClr val="000000"/>
                   </a:solidFill>
@@ -3028,7 +3034,7 @@
             </a:ln>
             <a:extLst>
               <a:ext uri="{91240B29-F687-4f45-9708-019B960494DF}">
-                <a14:hiddenLine xmlns="" xmlns:a14="http://schemas.microsoft.com/office/drawing/2010/main" w="9525">
+                <a14:hiddenLine xmlns:a14="http://schemas.microsoft.com/office/drawing/2010/main" xmlns="" w="9525">
                   <a:solidFill>
                     <a:srgbClr val="000000"/>
                   </a:solidFill>
@@ -3090,7 +3096,7 @@
             </a:ln>
             <a:extLst>
               <a:ext uri="{91240B29-F687-4f45-9708-019B960494DF}">
-                <a14:hiddenLine xmlns="" xmlns:a14="http://schemas.microsoft.com/office/drawing/2010/main" w="9525">
+                <a14:hiddenLine xmlns:a14="http://schemas.microsoft.com/office/drawing/2010/main" xmlns="" w="9525">
                   <a:solidFill>
                     <a:srgbClr val="000000"/>
                   </a:solidFill>
@@ -3180,7 +3186,7 @@
             </a:ln>
             <a:extLst>
               <a:ext uri="{91240B29-F687-4f45-9708-019B960494DF}">
-                <a14:hiddenLine xmlns="" xmlns:a14="http://schemas.microsoft.com/office/drawing/2010/main" w="9525">
+                <a14:hiddenLine xmlns:a14="http://schemas.microsoft.com/office/drawing/2010/main" xmlns="" w="9525">
                   <a:solidFill>
                     <a:srgbClr val="000000"/>
                   </a:solidFill>
@@ -3214,7 +3220,7 @@
             </a:ln>
             <a:extLst>
               <a:ext uri="{91240B29-F687-4f45-9708-019B960494DF}">
-                <a14:hiddenLine xmlns="" xmlns:a14="http://schemas.microsoft.com/office/drawing/2010/main" w="9525">
+                <a14:hiddenLine xmlns:a14="http://schemas.microsoft.com/office/drawing/2010/main" xmlns="" w="9525">
                   <a:solidFill>
                     <a:srgbClr val="000000"/>
                   </a:solidFill>
@@ -3279,7 +3285,7 @@
             </a:ln>
             <a:extLst>
               <a:ext uri="{91240B29-F687-4f45-9708-019B960494DF}">
-                <a14:hiddenLine xmlns="" xmlns:a14="http://schemas.microsoft.com/office/drawing/2010/main" w="9525">
+                <a14:hiddenLine xmlns:a14="http://schemas.microsoft.com/office/drawing/2010/main" xmlns="" w="9525">
                   <a:solidFill>
                     <a:srgbClr val="000000"/>
                   </a:solidFill>
@@ -3369,7 +3375,7 @@
             </a:ln>
             <a:extLst>
               <a:ext uri="{91240B29-F687-4f45-9708-019B960494DF}">
-                <a14:hiddenLine xmlns="" xmlns:a14="http://schemas.microsoft.com/office/drawing/2010/main" w="9525">
+                <a14:hiddenLine xmlns:a14="http://schemas.microsoft.com/office/drawing/2010/main" xmlns="" w="9525">
                   <a:solidFill>
                     <a:srgbClr val="000000"/>
                   </a:solidFill>
@@ -3431,7 +3437,7 @@
             </a:ln>
             <a:extLst>
               <a:ext uri="{91240B29-F687-4f45-9708-019B960494DF}">
-                <a14:hiddenLine xmlns="" xmlns:a14="http://schemas.microsoft.com/office/drawing/2010/main" w="9525">
+                <a14:hiddenLine xmlns:a14="http://schemas.microsoft.com/office/drawing/2010/main" xmlns="" w="9525">
                   <a:solidFill>
                     <a:srgbClr val="000000"/>
                   </a:solidFill>
@@ -3521,7 +3527,7 @@
             </a:ln>
             <a:extLst>
               <a:ext uri="{91240B29-F687-4f45-9708-019B960494DF}">
-                <a14:hiddenLine xmlns="" xmlns:a14="http://schemas.microsoft.com/office/drawing/2010/main" w="9525">
+                <a14:hiddenLine xmlns:a14="http://schemas.microsoft.com/office/drawing/2010/main" xmlns="" w="9525">
                   <a:solidFill>
                     <a:srgbClr val="000000"/>
                   </a:solidFill>
@@ -3611,7 +3617,7 @@
             </a:ln>
             <a:extLst>
               <a:ext uri="{91240B29-F687-4f45-9708-019B960494DF}">
-                <a14:hiddenLine xmlns="" xmlns:a14="http://schemas.microsoft.com/office/drawing/2010/main" w="9525">
+                <a14:hiddenLine xmlns:a14="http://schemas.microsoft.com/office/drawing/2010/main" xmlns="" w="9525">
                   <a:solidFill>
                     <a:srgbClr val="000000"/>
                   </a:solidFill>
@@ -3676,7 +3682,7 @@
             </a:ln>
             <a:extLst>
               <a:ext uri="{91240B29-F687-4f45-9708-019B960494DF}">
-                <a14:hiddenLine xmlns="" xmlns:a14="http://schemas.microsoft.com/office/drawing/2010/main" w="9525">
+                <a14:hiddenLine xmlns:a14="http://schemas.microsoft.com/office/drawing/2010/main" xmlns="" w="9525">
                   <a:solidFill>
                     <a:srgbClr val="000000"/>
                   </a:solidFill>
@@ -3738,7 +3744,7 @@
             </a:ln>
             <a:extLst>
               <a:ext uri="{91240B29-F687-4f45-9708-019B960494DF}">
-                <a14:hiddenLine xmlns="" xmlns:a14="http://schemas.microsoft.com/office/drawing/2010/main" w="9525">
+                <a14:hiddenLine xmlns:a14="http://schemas.microsoft.com/office/drawing/2010/main" xmlns="" w="9525">
                   <a:solidFill>
                     <a:srgbClr val="000000"/>
                   </a:solidFill>
@@ -3828,7 +3834,7 @@
             </a:ln>
             <a:extLst>
               <a:ext uri="{91240B29-F687-4f45-9708-019B960494DF}">
-                <a14:hiddenLine xmlns="" xmlns:a14="http://schemas.microsoft.com/office/drawing/2010/main" w="9525">
+                <a14:hiddenLine xmlns:a14="http://schemas.microsoft.com/office/drawing/2010/main" xmlns="" w="9525">
                   <a:solidFill>
                     <a:srgbClr val="000000"/>
                   </a:solidFill>
@@ -3918,7 +3924,7 @@
             </a:ln>
             <a:extLst>
               <a:ext uri="{91240B29-F687-4f45-9708-019B960494DF}">
-                <a14:hiddenLine xmlns="" xmlns:a14="http://schemas.microsoft.com/office/drawing/2010/main" w="9525">
+                <a14:hiddenLine xmlns:a14="http://schemas.microsoft.com/office/drawing/2010/main" xmlns="" w="9525">
                   <a:solidFill>
                     <a:srgbClr val="000000"/>
                   </a:solidFill>
@@ -3980,7 +3986,7 @@
             </a:ln>
             <a:extLst>
               <a:ext uri="{91240B29-F687-4f45-9708-019B960494DF}">
-                <a14:hiddenLine xmlns="" xmlns:a14="http://schemas.microsoft.com/office/drawing/2010/main" w="9525">
+                <a14:hiddenLine xmlns:a14="http://schemas.microsoft.com/office/drawing/2010/main" xmlns="" w="9525">
                   <a:solidFill>
                     <a:srgbClr val="000000"/>
                   </a:solidFill>
@@ -4100,7 +4106,7 @@
             </a:ln>
             <a:extLst>
               <a:ext uri="{91240B29-F687-4f45-9708-019B960494DF}">
-                <a14:hiddenLine xmlns="" xmlns:a14="http://schemas.microsoft.com/office/drawing/2010/main" w="9525">
+                <a14:hiddenLine xmlns:a14="http://schemas.microsoft.com/office/drawing/2010/main" xmlns="" w="9525">
                   <a:solidFill>
                     <a:srgbClr val="000000"/>
                   </a:solidFill>
@@ -4168,7 +4174,7 @@
             </a:ln>
             <a:extLst>
               <a:ext uri="{91240B29-F687-4f45-9708-019B960494DF}">
-                <a14:hiddenLine xmlns="" xmlns:a14="http://schemas.microsoft.com/office/drawing/2010/main" w="9525">
+                <a14:hiddenLine xmlns:a14="http://schemas.microsoft.com/office/drawing/2010/main" xmlns="" w="9525">
                   <a:solidFill>
                     <a:srgbClr val="000000"/>
                   </a:solidFill>
@@ -4258,7 +4264,7 @@
             </a:ln>
             <a:extLst>
               <a:ext uri="{91240B29-F687-4f45-9708-019B960494DF}">
-                <a14:hiddenLine xmlns="" xmlns:a14="http://schemas.microsoft.com/office/drawing/2010/main" w="9525">
+                <a14:hiddenLine xmlns:a14="http://schemas.microsoft.com/office/drawing/2010/main" xmlns="" w="9525">
                   <a:solidFill>
                     <a:srgbClr val="000000"/>
                   </a:solidFill>
@@ -4398,7 +4404,7 @@
           <a:p>
             <a:fld id="{FA218AC0-10C8-4D41-9305-A3A159271036}" type="datetimeFigureOut">
               <a:rPr lang="be-BY" smtClean="0"/>
-              <a:t>26.05.2020</a:t>
+              <a:t>02.06.2020</a:t>
             </a:fld>
             <a:endParaRPr lang="be-BY"/>
           </a:p>
@@ -4459,7 +4465,7 @@
     </p:spTree>
     <p:extLst>
       <p:ext uri="{BB962C8B-B14F-4D97-AF65-F5344CB8AC3E}">
-        <p14:creationId xmlns:p14="http://schemas.microsoft.com/office/powerpoint/2010/main" val="1090419366"/>
+        <p14:creationId xmlns:p14="http://schemas.microsoft.com/office/powerpoint/2010/main" val="2355980754"/>
       </p:ext>
     </p:extLst>
   </p:cSld>
@@ -4665,7 +4671,7 @@
           <a:p>
             <a:fld id="{FA218AC0-10C8-4D41-9305-A3A159271036}" type="datetimeFigureOut">
               <a:rPr lang="be-BY" smtClean="0"/>
-              <a:t>26.05.2020</a:t>
+              <a:t>02.06.2020</a:t>
             </a:fld>
             <a:endParaRPr lang="be-BY"/>
           </a:p>
@@ -4716,7 +4722,7 @@
     </p:spTree>
     <p:extLst>
       <p:ext uri="{BB962C8B-B14F-4D97-AF65-F5344CB8AC3E}">
-        <p14:creationId xmlns:p14="http://schemas.microsoft.com/office/powerpoint/2010/main" val="1699349590"/>
+        <p14:creationId xmlns:p14="http://schemas.microsoft.com/office/powerpoint/2010/main" val="868451757"/>
       </p:ext>
     </p:extLst>
   </p:cSld>
@@ -4861,7 +4867,7 @@
           <a:p>
             <a:fld id="{FA218AC0-10C8-4D41-9305-A3A159271036}" type="datetimeFigureOut">
               <a:rPr lang="be-BY" smtClean="0"/>
-              <a:t>26.05.2020</a:t>
+              <a:t>02.06.2020</a:t>
             </a:fld>
             <a:endParaRPr lang="be-BY"/>
           </a:p>
@@ -4912,7 +4918,7 @@
     </p:spTree>
     <p:extLst>
       <p:ext uri="{BB962C8B-B14F-4D97-AF65-F5344CB8AC3E}">
-        <p14:creationId xmlns:p14="http://schemas.microsoft.com/office/powerpoint/2010/main" val="2764100646"/>
+        <p14:creationId xmlns:p14="http://schemas.microsoft.com/office/powerpoint/2010/main" val="3161863924"/>
       </p:ext>
     </p:extLst>
   </p:cSld>
@@ -5124,7 +5130,7 @@
           <a:p>
             <a:fld id="{FA218AC0-10C8-4D41-9305-A3A159271036}" type="datetimeFigureOut">
               <a:rPr lang="be-BY" smtClean="0"/>
-              <a:t>26.05.2020</a:t>
+              <a:t>02.06.2020</a:t>
             </a:fld>
             <a:endParaRPr lang="be-BY"/>
           </a:p>
@@ -5413,7 +5419,7 @@
     </p:spTree>
     <p:extLst>
       <p:ext uri="{BB962C8B-B14F-4D97-AF65-F5344CB8AC3E}">
-        <p14:creationId xmlns:p14="http://schemas.microsoft.com/office/powerpoint/2010/main" val="1632151833"/>
+        <p14:creationId xmlns:p14="http://schemas.microsoft.com/office/powerpoint/2010/main" val="3231845629"/>
       </p:ext>
     </p:extLst>
   </p:cSld>
@@ -5558,7 +5564,7 @@
           <a:p>
             <a:fld id="{FA218AC0-10C8-4D41-9305-A3A159271036}" type="datetimeFigureOut">
               <a:rPr lang="be-BY" smtClean="0"/>
-              <a:t>26.05.2020</a:t>
+              <a:t>02.06.2020</a:t>
             </a:fld>
             <a:endParaRPr lang="be-BY"/>
           </a:p>
@@ -5609,7 +5615,7 @@
     </p:spTree>
     <p:extLst>
       <p:ext uri="{BB962C8B-B14F-4D97-AF65-F5344CB8AC3E}">
-        <p14:creationId xmlns:p14="http://schemas.microsoft.com/office/powerpoint/2010/main" val="1213528378"/>
+        <p14:creationId xmlns:p14="http://schemas.microsoft.com/office/powerpoint/2010/main" val="1887311500"/>
       </p:ext>
     </p:extLst>
   </p:cSld>
@@ -6104,7 +6110,7 @@
           <a:p>
             <a:fld id="{FA218AC0-10C8-4D41-9305-A3A159271036}" type="datetimeFigureOut">
               <a:rPr lang="be-BY" smtClean="0"/>
-              <a:t>26.05.2020</a:t>
+              <a:t>02.06.2020</a:t>
             </a:fld>
             <a:endParaRPr lang="be-BY"/>
           </a:p>
@@ -6155,7 +6161,7 @@
     </p:spTree>
     <p:extLst>
       <p:ext uri="{BB962C8B-B14F-4D97-AF65-F5344CB8AC3E}">
-        <p14:creationId xmlns:p14="http://schemas.microsoft.com/office/powerpoint/2010/main" val="1025662128"/>
+        <p14:creationId xmlns:p14="http://schemas.microsoft.com/office/powerpoint/2010/main" val="4093398825"/>
       </p:ext>
     </p:extLst>
   </p:cSld>
@@ -6824,7 +6830,7 @@
           <a:p>
             <a:fld id="{FA218AC0-10C8-4D41-9305-A3A159271036}" type="datetimeFigureOut">
               <a:rPr lang="be-BY" smtClean="0"/>
-              <a:t>26.05.2020</a:t>
+              <a:t>02.06.2020</a:t>
             </a:fld>
             <a:endParaRPr lang="be-BY"/>
           </a:p>
@@ -6875,7 +6881,7 @@
     </p:spTree>
     <p:extLst>
       <p:ext uri="{BB962C8B-B14F-4D97-AF65-F5344CB8AC3E}">
-        <p14:creationId xmlns:p14="http://schemas.microsoft.com/office/powerpoint/2010/main" val="2160918213"/>
+        <p14:creationId xmlns:p14="http://schemas.microsoft.com/office/powerpoint/2010/main" val="2595947219"/>
       </p:ext>
     </p:extLst>
   </p:cSld>
@@ -6994,7 +7000,7 @@
           <a:p>
             <a:fld id="{FA218AC0-10C8-4D41-9305-A3A159271036}" type="datetimeFigureOut">
               <a:rPr lang="be-BY" smtClean="0"/>
-              <a:t>26.05.2020</a:t>
+              <a:t>02.06.2020</a:t>
             </a:fld>
             <a:endParaRPr lang="be-BY"/>
           </a:p>
@@ -7045,7 +7051,7 @@
     </p:spTree>
     <p:extLst>
       <p:ext uri="{BB962C8B-B14F-4D97-AF65-F5344CB8AC3E}">
-        <p14:creationId xmlns:p14="http://schemas.microsoft.com/office/powerpoint/2010/main" val="3732160216"/>
+        <p14:creationId xmlns:p14="http://schemas.microsoft.com/office/powerpoint/2010/main" val="2503247045"/>
       </p:ext>
     </p:extLst>
   </p:cSld>
@@ -7174,7 +7180,7 @@
           <a:p>
             <a:fld id="{FA218AC0-10C8-4D41-9305-A3A159271036}" type="datetimeFigureOut">
               <a:rPr lang="be-BY" smtClean="0"/>
-              <a:t>26.05.2020</a:t>
+              <a:t>02.06.2020</a:t>
             </a:fld>
             <a:endParaRPr lang="be-BY"/>
           </a:p>
@@ -7225,7 +7231,7 @@
     </p:spTree>
     <p:extLst>
       <p:ext uri="{BB962C8B-B14F-4D97-AF65-F5344CB8AC3E}">
-        <p14:creationId xmlns:p14="http://schemas.microsoft.com/office/powerpoint/2010/main" val="654361764"/>
+        <p14:creationId xmlns:p14="http://schemas.microsoft.com/office/powerpoint/2010/main" val="2869597342"/>
       </p:ext>
     </p:extLst>
   </p:cSld>
@@ -7344,7 +7350,7 @@
           <a:p>
             <a:fld id="{FA218AC0-10C8-4D41-9305-A3A159271036}" type="datetimeFigureOut">
               <a:rPr lang="be-BY" smtClean="0"/>
-              <a:t>26.05.2020</a:t>
+              <a:t>02.06.2020</a:t>
             </a:fld>
             <a:endParaRPr lang="be-BY"/>
           </a:p>
@@ -7395,7 +7401,7 @@
     </p:spTree>
     <p:extLst>
       <p:ext uri="{BB962C8B-B14F-4D97-AF65-F5344CB8AC3E}">
-        <p14:creationId xmlns:p14="http://schemas.microsoft.com/office/powerpoint/2010/main" val="1020377343"/>
+        <p14:creationId xmlns:p14="http://schemas.microsoft.com/office/powerpoint/2010/main" val="2629621247"/>
       </p:ext>
     </p:extLst>
   </p:cSld>
@@ -7594,7 +7600,7 @@
           <a:p>
             <a:fld id="{FA218AC0-10C8-4D41-9305-A3A159271036}" type="datetimeFigureOut">
               <a:rPr lang="be-BY" smtClean="0"/>
-              <a:t>26.05.2020</a:t>
+              <a:t>02.06.2020</a:t>
             </a:fld>
             <a:endParaRPr lang="be-BY"/>
           </a:p>
@@ -7645,7 +7651,7 @@
     </p:spTree>
     <p:extLst>
       <p:ext uri="{BB962C8B-B14F-4D97-AF65-F5344CB8AC3E}">
-        <p14:creationId xmlns:p14="http://schemas.microsoft.com/office/powerpoint/2010/main" val="4086143075"/>
+        <p14:creationId xmlns:p14="http://schemas.microsoft.com/office/powerpoint/2010/main" val="3849719186"/>
       </p:ext>
     </p:extLst>
   </p:cSld>
@@ -7826,7 +7832,7 @@
           <a:p>
             <a:fld id="{FA218AC0-10C8-4D41-9305-A3A159271036}" type="datetimeFigureOut">
               <a:rPr lang="be-BY" smtClean="0"/>
-              <a:t>26.05.2020</a:t>
+              <a:t>02.06.2020</a:t>
             </a:fld>
             <a:endParaRPr lang="be-BY"/>
           </a:p>
@@ -7877,7 +7883,7 @@
     </p:spTree>
     <p:extLst>
       <p:ext uri="{BB962C8B-B14F-4D97-AF65-F5344CB8AC3E}">
-        <p14:creationId xmlns:p14="http://schemas.microsoft.com/office/powerpoint/2010/main" val="2177526353"/>
+        <p14:creationId xmlns:p14="http://schemas.microsoft.com/office/powerpoint/2010/main" val="2999401254"/>
       </p:ext>
     </p:extLst>
   </p:cSld>
@@ -8207,7 +8213,7 @@
           <a:p>
             <a:fld id="{FA218AC0-10C8-4D41-9305-A3A159271036}" type="datetimeFigureOut">
               <a:rPr lang="be-BY" smtClean="0"/>
-              <a:t>26.05.2020</a:t>
+              <a:t>02.06.2020</a:t>
             </a:fld>
             <a:endParaRPr lang="be-BY"/>
           </a:p>
@@ -8258,7 +8264,7 @@
     </p:spTree>
     <p:extLst>
       <p:ext uri="{BB962C8B-B14F-4D97-AF65-F5344CB8AC3E}">
-        <p14:creationId xmlns:p14="http://schemas.microsoft.com/office/powerpoint/2010/main" val="1553542452"/>
+        <p14:creationId xmlns:p14="http://schemas.microsoft.com/office/powerpoint/2010/main" val="3995609752"/>
       </p:ext>
     </p:extLst>
   </p:cSld>
@@ -8325,7 +8331,7 @@
           <a:p>
             <a:fld id="{FA218AC0-10C8-4D41-9305-A3A159271036}" type="datetimeFigureOut">
               <a:rPr lang="be-BY" smtClean="0"/>
-              <a:t>26.05.2020</a:t>
+              <a:t>02.06.2020</a:t>
             </a:fld>
             <a:endParaRPr lang="be-BY"/>
           </a:p>
@@ -8376,7 +8382,7 @@
     </p:spTree>
     <p:extLst>
       <p:ext uri="{BB962C8B-B14F-4D97-AF65-F5344CB8AC3E}">
-        <p14:creationId xmlns:p14="http://schemas.microsoft.com/office/powerpoint/2010/main" val="1923342611"/>
+        <p14:creationId xmlns:p14="http://schemas.microsoft.com/office/powerpoint/2010/main" val="2429826500"/>
       </p:ext>
     </p:extLst>
   </p:cSld>
@@ -8420,7 +8426,7 @@
           <a:p>
             <a:fld id="{FA218AC0-10C8-4D41-9305-A3A159271036}" type="datetimeFigureOut">
               <a:rPr lang="be-BY" smtClean="0"/>
-              <a:t>26.05.2020</a:t>
+              <a:t>02.06.2020</a:t>
             </a:fld>
             <a:endParaRPr lang="be-BY"/>
           </a:p>
@@ -8471,7 +8477,7 @@
     </p:spTree>
     <p:extLst>
       <p:ext uri="{BB962C8B-B14F-4D97-AF65-F5344CB8AC3E}">
-        <p14:creationId xmlns:p14="http://schemas.microsoft.com/office/powerpoint/2010/main" val="2202959035"/>
+        <p14:creationId xmlns:p14="http://schemas.microsoft.com/office/powerpoint/2010/main" val="536841977"/>
       </p:ext>
     </p:extLst>
   </p:cSld>
@@ -8669,7 +8675,7 @@
           <a:p>
             <a:fld id="{FA218AC0-10C8-4D41-9305-A3A159271036}" type="datetimeFigureOut">
               <a:rPr lang="be-BY" smtClean="0"/>
-              <a:t>26.05.2020</a:t>
+              <a:t>02.06.2020</a:t>
             </a:fld>
             <a:endParaRPr lang="be-BY"/>
           </a:p>
@@ -8720,7 +8726,7 @@
     </p:spTree>
     <p:extLst>
       <p:ext uri="{BB962C8B-B14F-4D97-AF65-F5344CB8AC3E}">
-        <p14:creationId xmlns:p14="http://schemas.microsoft.com/office/powerpoint/2010/main" val="4043727077"/>
+        <p14:creationId xmlns:p14="http://schemas.microsoft.com/office/powerpoint/2010/main" val="3913985787"/>
       </p:ext>
     </p:extLst>
   </p:cSld>
@@ -8949,7 +8955,7 @@
           <a:p>
             <a:fld id="{FA218AC0-10C8-4D41-9305-A3A159271036}" type="datetimeFigureOut">
               <a:rPr lang="be-BY" smtClean="0"/>
-              <a:t>26.05.2020</a:t>
+              <a:t>02.06.2020</a:t>
             </a:fld>
             <a:endParaRPr lang="be-BY"/>
           </a:p>
@@ -9000,7 +9006,7 @@
     </p:spTree>
     <p:extLst>
       <p:ext uri="{BB962C8B-B14F-4D97-AF65-F5344CB8AC3E}">
-        <p14:creationId xmlns:p14="http://schemas.microsoft.com/office/powerpoint/2010/main" val="2220149013"/>
+        <p14:creationId xmlns:p14="http://schemas.microsoft.com/office/powerpoint/2010/main" val="3884230133"/>
       </p:ext>
     </p:extLst>
   </p:cSld>
@@ -9043,6 +9049,13 @@
         <p:blipFill>
           <a:blip r:embed="rId19">
             <a:alphaModFix amt="30000"/>
+            <a:duotone>
+              <a:prstClr val="black"/>
+              <a:schemeClr val="tx2">
+                <a:tint val="45000"/>
+                <a:satMod val="400000"/>
+              </a:schemeClr>
+            </a:duotone>
             <a:extLst>
               <a:ext uri="{28A0092B-C50C-407E-A947-70E740481C1C}">
                 <a14:useLocalDpi xmlns:a14="http://schemas.microsoft.com/office/drawing/2010/main" val="0"/>
@@ -9065,7 +9078,7 @@
           <a:noFill/>
           <a:extLst>
             <a:ext uri="{909E8E84-426E-40dd-AFC4-6F175D3DCCD1}">
-              <a14:hiddenFill xmlns="" xmlns:a14="http://schemas.microsoft.com/office/drawing/2010/main">
+              <a14:hiddenFill xmlns:a14="http://schemas.microsoft.com/office/drawing/2010/main" xmlns="">
                 <a:solidFill>
                   <a:srgbClr val="FFFFFF"/>
                 </a:solidFill>
@@ -9087,6 +9100,20 @@
             <a:chOff x="-14288" y="0"/>
             <a:chExt cx="12053888" cy="6858001"/>
           </a:xfrm>
+          <a:gradFill flip="none" rotWithShape="1">
+            <a:gsLst>
+              <a:gs pos="0">
+                <a:schemeClr val="tx2"/>
+              </a:gs>
+              <a:gs pos="100000">
+                <a:schemeClr val="tx2">
+                  <a:lumMod val="50000"/>
+                </a:schemeClr>
+              </a:gs>
+            </a:gsLst>
+            <a:lin ang="5400000" scaled="0"/>
+            <a:tileRect/>
+          </a:gradFill>
         </p:grpSpPr>
         <p:grpSp>
           <p:nvGrpSpPr>
@@ -9101,21 +9128,7 @@
               <a:chOff x="-14288" y="0"/>
               <a:chExt cx="1220788" cy="6858001"/>
             </a:xfrm>
-            <a:gradFill flip="none" rotWithShape="1">
-              <a:gsLst>
-                <a:gs pos="0">
-                  <a:schemeClr val="tx2"/>
-                </a:gs>
-                <a:gs pos="100000">
-                  <a:schemeClr val="bg2">
-                    <a:lumMod val="60000"/>
-                    <a:lumOff val="40000"/>
-                  </a:schemeClr>
-                </a:gs>
-              </a:gsLst>
-              <a:lin ang="5400000" scaled="0"/>
-              <a:tileRect/>
-            </a:gradFill>
+            <a:grpFill/>
           </p:grpSpPr>
           <p:sp>
             <p:nvSpPr>
@@ -9139,7 +9152,7 @@
               </a:ln>
               <a:extLst>
                 <a:ext uri="{91240B29-F687-4f45-9708-019B960494DF}">
-                  <a14:hiddenLine xmlns="" xmlns:a14="http://schemas.microsoft.com/office/drawing/2010/main" w="9525">
+                  <a14:hiddenLine xmlns:a14="http://schemas.microsoft.com/office/drawing/2010/main" xmlns="" w="9525">
                     <a:solidFill>
                       <a:srgbClr val="000000"/>
                     </a:solidFill>
@@ -9229,7 +9242,7 @@
               </a:ln>
               <a:extLst>
                 <a:ext uri="{91240B29-F687-4f45-9708-019B960494DF}">
-                  <a14:hiddenLine xmlns="" xmlns:a14="http://schemas.microsoft.com/office/drawing/2010/main" w="9525">
+                  <a14:hiddenLine xmlns:a14="http://schemas.microsoft.com/office/drawing/2010/main" xmlns="" w="9525">
                     <a:solidFill>
                       <a:srgbClr val="000000"/>
                     </a:solidFill>
@@ -9319,7 +9332,7 @@
               </a:ln>
               <a:extLst>
                 <a:ext uri="{91240B29-F687-4f45-9708-019B960494DF}">
-                  <a14:hiddenLine xmlns="" xmlns:a14="http://schemas.microsoft.com/office/drawing/2010/main" w="9525">
+                  <a14:hiddenLine xmlns:a14="http://schemas.microsoft.com/office/drawing/2010/main" xmlns="" w="9525">
                     <a:solidFill>
                       <a:srgbClr val="000000"/>
                     </a:solidFill>
@@ -9381,7 +9394,7 @@
               </a:ln>
               <a:extLst>
                 <a:ext uri="{91240B29-F687-4f45-9708-019B960494DF}">
-                  <a14:hiddenLine xmlns="" xmlns:a14="http://schemas.microsoft.com/office/drawing/2010/main" w="9525">
+                  <a14:hiddenLine xmlns:a14="http://schemas.microsoft.com/office/drawing/2010/main" xmlns="" w="9525">
                     <a:solidFill>
                       <a:srgbClr val="000000"/>
                     </a:solidFill>
@@ -9471,7 +9484,7 @@
               </a:ln>
               <a:extLst>
                 <a:ext uri="{91240B29-F687-4f45-9708-019B960494DF}">
-                  <a14:hiddenLine xmlns="" xmlns:a14="http://schemas.microsoft.com/office/drawing/2010/main" w="9525">
+                  <a14:hiddenLine xmlns:a14="http://schemas.microsoft.com/office/drawing/2010/main" xmlns="" w="9525">
                     <a:solidFill>
                       <a:srgbClr val="000000"/>
                     </a:solidFill>
@@ -9533,7 +9546,7 @@
               </a:ln>
               <a:extLst>
                 <a:ext uri="{91240B29-F687-4f45-9708-019B960494DF}">
-                  <a14:hiddenLine xmlns="" xmlns:a14="http://schemas.microsoft.com/office/drawing/2010/main" w="9525">
+                  <a14:hiddenLine xmlns:a14="http://schemas.microsoft.com/office/drawing/2010/main" xmlns="" w="9525">
                     <a:solidFill>
                       <a:srgbClr val="000000"/>
                     </a:solidFill>
@@ -9595,7 +9608,7 @@
               </a:ln>
               <a:extLst>
                 <a:ext uri="{91240B29-F687-4f45-9708-019B960494DF}">
-                  <a14:hiddenLine xmlns="" xmlns:a14="http://schemas.microsoft.com/office/drawing/2010/main" w="9525">
+                  <a14:hiddenLine xmlns:a14="http://schemas.microsoft.com/office/drawing/2010/main" xmlns="" w="9525">
                     <a:solidFill>
                       <a:srgbClr val="000000"/>
                     </a:solidFill>
@@ -9685,7 +9698,7 @@
               </a:ln>
               <a:extLst>
                 <a:ext uri="{91240B29-F687-4f45-9708-019B960494DF}">
-                  <a14:hiddenLine xmlns="" xmlns:a14="http://schemas.microsoft.com/office/drawing/2010/main" w="9525">
+                  <a14:hiddenLine xmlns:a14="http://schemas.microsoft.com/office/drawing/2010/main" xmlns="" w="9525">
                     <a:solidFill>
                       <a:srgbClr val="000000"/>
                     </a:solidFill>
@@ -9775,7 +9788,7 @@
               </a:ln>
               <a:extLst>
                 <a:ext uri="{91240B29-F687-4f45-9708-019B960494DF}">
-                  <a14:hiddenLine xmlns="" xmlns:a14="http://schemas.microsoft.com/office/drawing/2010/main" w="9525">
+                  <a14:hiddenLine xmlns:a14="http://schemas.microsoft.com/office/drawing/2010/main" xmlns="" w="9525">
                     <a:solidFill>
                       <a:srgbClr val="000000"/>
                     </a:solidFill>
@@ -9837,7 +9850,7 @@
               </a:ln>
               <a:extLst>
                 <a:ext uri="{91240B29-F687-4f45-9708-019B960494DF}">
-                  <a14:hiddenLine xmlns="" xmlns:a14="http://schemas.microsoft.com/office/drawing/2010/main" w="9525">
+                  <a14:hiddenLine xmlns:a14="http://schemas.microsoft.com/office/drawing/2010/main" xmlns="" w="9525">
                     <a:solidFill>
                       <a:srgbClr val="000000"/>
                     </a:solidFill>
@@ -9947,7 +9960,7 @@
               </a:ln>
               <a:extLst>
                 <a:ext uri="{91240B29-F687-4f45-9708-019B960494DF}">
-                  <a14:hiddenLine xmlns="" xmlns:a14="http://schemas.microsoft.com/office/drawing/2010/main" w="9525">
+                  <a14:hiddenLine xmlns:a14="http://schemas.microsoft.com/office/drawing/2010/main" xmlns="" w="9525">
                     <a:solidFill>
                       <a:srgbClr val="000000"/>
                     </a:solidFill>
@@ -10031,7 +10044,7 @@
               </a:ln>
               <a:extLst>
                 <a:ext uri="{91240B29-F687-4f45-9708-019B960494DF}">
-                  <a14:hiddenLine xmlns="" xmlns:a14="http://schemas.microsoft.com/office/drawing/2010/main" w="9525">
+                  <a14:hiddenLine xmlns:a14="http://schemas.microsoft.com/office/drawing/2010/main" xmlns="" w="9525">
                     <a:solidFill>
                       <a:srgbClr val="000000"/>
                     </a:solidFill>
@@ -10093,7 +10106,7 @@
               </a:ln>
               <a:extLst>
                 <a:ext uri="{91240B29-F687-4f45-9708-019B960494DF}">
-                  <a14:hiddenLine xmlns="" xmlns:a14="http://schemas.microsoft.com/office/drawing/2010/main" w="9525">
+                  <a14:hiddenLine xmlns:a14="http://schemas.microsoft.com/office/drawing/2010/main" xmlns="" w="9525">
                     <a:solidFill>
                       <a:srgbClr val="000000"/>
                     </a:solidFill>
@@ -10155,7 +10168,7 @@
               </a:ln>
               <a:extLst>
                 <a:ext uri="{91240B29-F687-4f45-9708-019B960494DF}">
-                  <a14:hiddenLine xmlns="" xmlns:a14="http://schemas.microsoft.com/office/drawing/2010/main" w="9525">
+                  <a14:hiddenLine xmlns:a14="http://schemas.microsoft.com/office/drawing/2010/main" xmlns="" w="9525">
                     <a:solidFill>
                       <a:srgbClr val="000000"/>
                     </a:solidFill>
@@ -10245,7 +10258,7 @@
               </a:ln>
               <a:extLst>
                 <a:ext uri="{91240B29-F687-4f45-9708-019B960494DF}">
-                  <a14:hiddenLine xmlns="" xmlns:a14="http://schemas.microsoft.com/office/drawing/2010/main" w="9525">
+                  <a14:hiddenLine xmlns:a14="http://schemas.microsoft.com/office/drawing/2010/main" xmlns="" w="9525">
                     <a:solidFill>
                       <a:srgbClr val="000000"/>
                     </a:solidFill>
@@ -10279,7 +10292,7 @@
               </a:ln>
               <a:extLst>
                 <a:ext uri="{91240B29-F687-4f45-9708-019B960494DF}">
-                  <a14:hiddenLine xmlns="" xmlns:a14="http://schemas.microsoft.com/office/drawing/2010/main" w="9525">
+                  <a14:hiddenLine xmlns:a14="http://schemas.microsoft.com/office/drawing/2010/main" xmlns="" w="9525">
                     <a:solidFill>
                       <a:srgbClr val="000000"/>
                     </a:solidFill>
@@ -10344,7 +10357,7 @@
               </a:ln>
               <a:extLst>
                 <a:ext uri="{91240B29-F687-4f45-9708-019B960494DF}">
-                  <a14:hiddenLine xmlns="" xmlns:a14="http://schemas.microsoft.com/office/drawing/2010/main" w="9525">
+                  <a14:hiddenLine xmlns:a14="http://schemas.microsoft.com/office/drawing/2010/main" xmlns="" w="9525">
                     <a:solidFill>
                       <a:srgbClr val="000000"/>
                     </a:solidFill>
@@ -10434,7 +10447,7 @@
               </a:ln>
               <a:extLst>
                 <a:ext uri="{91240B29-F687-4f45-9708-019B960494DF}">
-                  <a14:hiddenLine xmlns="" xmlns:a14="http://schemas.microsoft.com/office/drawing/2010/main" w="9525">
+                  <a14:hiddenLine xmlns:a14="http://schemas.microsoft.com/office/drawing/2010/main" xmlns="" w="9525">
                     <a:solidFill>
                       <a:srgbClr val="000000"/>
                     </a:solidFill>
@@ -10496,7 +10509,7 @@
               </a:ln>
               <a:extLst>
                 <a:ext uri="{91240B29-F687-4f45-9708-019B960494DF}">
-                  <a14:hiddenLine xmlns="" xmlns:a14="http://schemas.microsoft.com/office/drawing/2010/main" w="9525">
+                  <a14:hiddenLine xmlns:a14="http://schemas.microsoft.com/office/drawing/2010/main" xmlns="" w="9525">
                     <a:solidFill>
                       <a:srgbClr val="000000"/>
                     </a:solidFill>
@@ -10586,7 +10599,7 @@
               </a:ln>
               <a:extLst>
                 <a:ext uri="{91240B29-F687-4f45-9708-019B960494DF}">
-                  <a14:hiddenLine xmlns="" xmlns:a14="http://schemas.microsoft.com/office/drawing/2010/main" w="9525">
+                  <a14:hiddenLine xmlns:a14="http://schemas.microsoft.com/office/drawing/2010/main" xmlns="" w="9525">
                     <a:solidFill>
                       <a:srgbClr val="000000"/>
                     </a:solidFill>
@@ -10651,7 +10664,7 @@
               </a:ln>
               <a:extLst>
                 <a:ext uri="{91240B29-F687-4f45-9708-019B960494DF}">
-                  <a14:hiddenLine xmlns="" xmlns:a14="http://schemas.microsoft.com/office/drawing/2010/main" w="9525">
+                  <a14:hiddenLine xmlns:a14="http://schemas.microsoft.com/office/drawing/2010/main" xmlns="" w="9525">
                     <a:solidFill>
                       <a:srgbClr val="000000"/>
                     </a:solidFill>
@@ -10713,7 +10726,7 @@
               </a:ln>
               <a:extLst>
                 <a:ext uri="{91240B29-F687-4f45-9708-019B960494DF}">
-                  <a14:hiddenLine xmlns="" xmlns:a14="http://schemas.microsoft.com/office/drawing/2010/main" w="9525">
+                  <a14:hiddenLine xmlns:a14="http://schemas.microsoft.com/office/drawing/2010/main" xmlns="" w="9525">
                     <a:solidFill>
                       <a:srgbClr val="000000"/>
                     </a:solidFill>
@@ -10803,7 +10816,7 @@
               </a:ln>
               <a:extLst>
                 <a:ext uri="{91240B29-F687-4f45-9708-019B960494DF}">
-                  <a14:hiddenLine xmlns="" xmlns:a14="http://schemas.microsoft.com/office/drawing/2010/main" w="9525">
+                  <a14:hiddenLine xmlns:a14="http://schemas.microsoft.com/office/drawing/2010/main" xmlns="" w="9525">
                     <a:solidFill>
                       <a:srgbClr val="000000"/>
                     </a:solidFill>
@@ -10893,7 +10906,7 @@
               </a:ln>
               <a:extLst>
                 <a:ext uri="{91240B29-F687-4f45-9708-019B960494DF}">
-                  <a14:hiddenLine xmlns="" xmlns:a14="http://schemas.microsoft.com/office/drawing/2010/main" w="9525">
+                  <a14:hiddenLine xmlns:a14="http://schemas.microsoft.com/office/drawing/2010/main" xmlns="" w="9525">
                     <a:solidFill>
                       <a:srgbClr val="000000"/>
                     </a:solidFill>
@@ -10958,7 +10971,7 @@
               </a:ln>
               <a:extLst>
                 <a:ext uri="{91240B29-F687-4f45-9708-019B960494DF}">
-                  <a14:hiddenLine xmlns="" xmlns:a14="http://schemas.microsoft.com/office/drawing/2010/main" w="9525">
+                  <a14:hiddenLine xmlns:a14="http://schemas.microsoft.com/office/drawing/2010/main" xmlns="" w="9525">
                     <a:solidFill>
                       <a:srgbClr val="000000"/>
                     </a:solidFill>
@@ -11078,7 +11091,7 @@
               </a:ln>
               <a:extLst>
                 <a:ext uri="{91240B29-F687-4f45-9708-019B960494DF}">
-                  <a14:hiddenLine xmlns="" xmlns:a14="http://schemas.microsoft.com/office/drawing/2010/main" w="9525">
+                  <a14:hiddenLine xmlns:a14="http://schemas.microsoft.com/office/drawing/2010/main" xmlns="" w="9525">
                     <a:solidFill>
                       <a:srgbClr val="000000"/>
                     </a:solidFill>
@@ -11104,24 +11117,7 @@
               <a:chOff x="11364912" y="0"/>
               <a:chExt cx="674688" cy="6848476"/>
             </a:xfrm>
-            <a:gradFill flip="none" rotWithShape="1">
-              <a:gsLst>
-                <a:gs pos="0">
-                  <a:schemeClr val="tx2">
-                    <a:alpha val="80000"/>
-                  </a:schemeClr>
-                </a:gs>
-                <a:gs pos="100000">
-                  <a:schemeClr val="bg2">
-                    <a:lumMod val="60000"/>
-                    <a:lumOff val="40000"/>
-                    <a:alpha val="60000"/>
-                  </a:schemeClr>
-                </a:gs>
-              </a:gsLst>
-              <a:lin ang="5400000" scaled="0"/>
-              <a:tileRect/>
-            </a:gradFill>
+            <a:grpFill/>
           </p:grpSpPr>
           <p:sp>
             <p:nvSpPr>
@@ -11176,7 +11172,7 @@
               </a:ln>
               <a:extLst>
                 <a:ext uri="{91240B29-F687-4f45-9708-019B960494DF}">
-                  <a14:hiddenLine xmlns="" xmlns:a14="http://schemas.microsoft.com/office/drawing/2010/main" w="9525">
+                  <a14:hiddenLine xmlns:a14="http://schemas.microsoft.com/office/drawing/2010/main" xmlns="" w="9525">
                     <a:solidFill>
                       <a:srgbClr val="000000"/>
                     </a:solidFill>
@@ -11291,7 +11287,7 @@
               </a:ln>
               <a:extLst>
                 <a:ext uri="{91240B29-F687-4f45-9708-019B960494DF}">
-                  <a14:hiddenLine xmlns="" xmlns:a14="http://schemas.microsoft.com/office/drawing/2010/main" w="9525">
+                  <a14:hiddenLine xmlns:a14="http://schemas.microsoft.com/office/drawing/2010/main" xmlns="" w="9525">
                     <a:solidFill>
                       <a:srgbClr val="000000"/>
                     </a:solidFill>
@@ -11381,7 +11377,7 @@
               </a:ln>
               <a:extLst>
                 <a:ext uri="{91240B29-F687-4f45-9708-019B960494DF}">
-                  <a14:hiddenLine xmlns="" xmlns:a14="http://schemas.microsoft.com/office/drawing/2010/main" w="9525">
+                  <a14:hiddenLine xmlns:a14="http://schemas.microsoft.com/office/drawing/2010/main" xmlns="" w="9525">
                     <a:solidFill>
                       <a:srgbClr val="000000"/>
                     </a:solidFill>
@@ -11446,7 +11442,7 @@
               </a:ln>
               <a:extLst>
                 <a:ext uri="{91240B29-F687-4f45-9708-019B960494DF}">
-                  <a14:hiddenLine xmlns="" xmlns:a14="http://schemas.microsoft.com/office/drawing/2010/main" w="9525">
+                  <a14:hiddenLine xmlns:a14="http://schemas.microsoft.com/office/drawing/2010/main" xmlns="" w="9525">
                     <a:solidFill>
                       <a:srgbClr val="000000"/>
                     </a:solidFill>
@@ -11536,7 +11532,7 @@
               </a:ln>
               <a:extLst>
                 <a:ext uri="{91240B29-F687-4f45-9708-019B960494DF}">
-                  <a14:hiddenLine xmlns="" xmlns:a14="http://schemas.microsoft.com/office/drawing/2010/main" w="9525">
+                  <a14:hiddenLine xmlns:a14="http://schemas.microsoft.com/office/drawing/2010/main" xmlns="" w="9525">
                     <a:solidFill>
                       <a:srgbClr val="000000"/>
                     </a:solidFill>
@@ -11604,7 +11600,7 @@
               </a:ln>
               <a:extLst>
                 <a:ext uri="{91240B29-F687-4f45-9708-019B960494DF}">
-                  <a14:hiddenLine xmlns="" xmlns:a14="http://schemas.microsoft.com/office/drawing/2010/main" w="9525">
+                  <a14:hiddenLine xmlns:a14="http://schemas.microsoft.com/office/drawing/2010/main" xmlns="" w="9525">
                     <a:solidFill>
                       <a:srgbClr val="000000"/>
                     </a:solidFill>
@@ -11694,7 +11690,7 @@
               </a:ln>
               <a:extLst>
                 <a:ext uri="{91240B29-F687-4f45-9708-019B960494DF}">
-                  <a14:hiddenLine xmlns="" xmlns:a14="http://schemas.microsoft.com/office/drawing/2010/main" w="9525">
+                  <a14:hiddenLine xmlns:a14="http://schemas.microsoft.com/office/drawing/2010/main" xmlns="" w="9525">
                     <a:solidFill>
                       <a:srgbClr val="000000"/>
                     </a:solidFill>
@@ -11762,7 +11758,7 @@
               </a:ln>
               <a:extLst>
                 <a:ext uri="{91240B29-F687-4f45-9708-019B960494DF}">
-                  <a14:hiddenLine xmlns="" xmlns:a14="http://schemas.microsoft.com/office/drawing/2010/main" w="9525">
+                  <a14:hiddenLine xmlns:a14="http://schemas.microsoft.com/office/drawing/2010/main" xmlns="" w="9525">
                     <a:solidFill>
                       <a:srgbClr val="000000"/>
                     </a:solidFill>
@@ -11852,7 +11848,7 @@
               </a:ln>
               <a:extLst>
                 <a:ext uri="{91240B29-F687-4f45-9708-019B960494DF}">
-                  <a14:hiddenLine xmlns="" xmlns:a14="http://schemas.microsoft.com/office/drawing/2010/main" w="9525">
+                  <a14:hiddenLine xmlns:a14="http://schemas.microsoft.com/office/drawing/2010/main" xmlns="" w="9525">
                     <a:solidFill>
                       <a:srgbClr val="000000"/>
                     </a:solidFill>
@@ -11886,7 +11882,7 @@
               </a:ln>
               <a:extLst>
                 <a:ext uri="{91240B29-F687-4f45-9708-019B960494DF}">
-                  <a14:hiddenLine xmlns="" xmlns:a14="http://schemas.microsoft.com/office/drawing/2010/main" w="9525">
+                  <a14:hiddenLine xmlns:a14="http://schemas.microsoft.com/office/drawing/2010/main" xmlns="" w="9525">
                     <a:solidFill>
                       <a:srgbClr val="000000"/>
                     </a:solidFill>
@@ -12026,7 +12022,7 @@
           <a:p>
             <a:fld id="{FA218AC0-10C8-4D41-9305-A3A159271036}" type="datetimeFigureOut">
               <a:rPr lang="be-BY" smtClean="0"/>
-              <a:t>26.05.2020</a:t>
+              <a:t>02.06.2020</a:t>
             </a:fld>
             <a:endParaRPr lang="be-BY"/>
           </a:p>
@@ -12113,29 +12109,29 @@
     </p:spTree>
     <p:extLst>
       <p:ext uri="{BB962C8B-B14F-4D97-AF65-F5344CB8AC3E}">
-        <p14:creationId xmlns:p14="http://schemas.microsoft.com/office/powerpoint/2010/main" val="2268693565"/>
+        <p14:creationId xmlns:p14="http://schemas.microsoft.com/office/powerpoint/2010/main" val="1813406429"/>
       </p:ext>
     </p:extLst>
   </p:cSld>
   <p:clrMap bg1="dk1" tx1="lt1" bg2="dk2" tx2="lt2" accent1="accent1" accent2="accent2" accent3="accent3" accent4="accent4" accent5="accent5" accent6="accent6" hlink="hlink" folHlink="folHlink"/>
   <p:sldLayoutIdLst>
-    <p:sldLayoutId id="2147483661" r:id="rId1"/>
-    <p:sldLayoutId id="2147483662" r:id="rId2"/>
-    <p:sldLayoutId id="2147483663" r:id="rId3"/>
-    <p:sldLayoutId id="2147483664" r:id="rId4"/>
-    <p:sldLayoutId id="2147483665" r:id="rId5"/>
-    <p:sldLayoutId id="2147483666" r:id="rId6"/>
-    <p:sldLayoutId id="2147483667" r:id="rId7"/>
-    <p:sldLayoutId id="2147483668" r:id="rId8"/>
-    <p:sldLayoutId id="2147483669" r:id="rId9"/>
-    <p:sldLayoutId id="2147483670" r:id="rId10"/>
-    <p:sldLayoutId id="2147483671" r:id="rId11"/>
-    <p:sldLayoutId id="2147483672" r:id="rId12"/>
-    <p:sldLayoutId id="2147483673" r:id="rId13"/>
-    <p:sldLayoutId id="2147483674" r:id="rId14"/>
-    <p:sldLayoutId id="2147483675" r:id="rId15"/>
-    <p:sldLayoutId id="2147483676" r:id="rId16"/>
-    <p:sldLayoutId id="2147483677" r:id="rId17"/>
+    <p:sldLayoutId id="2147484098" r:id="rId1"/>
+    <p:sldLayoutId id="2147484099" r:id="rId2"/>
+    <p:sldLayoutId id="2147484100" r:id="rId3"/>
+    <p:sldLayoutId id="2147484101" r:id="rId4"/>
+    <p:sldLayoutId id="2147484102" r:id="rId5"/>
+    <p:sldLayoutId id="2147484103" r:id="rId6"/>
+    <p:sldLayoutId id="2147484104" r:id="rId7"/>
+    <p:sldLayoutId id="2147484105" r:id="rId8"/>
+    <p:sldLayoutId id="2147484106" r:id="rId9"/>
+    <p:sldLayoutId id="2147484107" r:id="rId10"/>
+    <p:sldLayoutId id="2147484108" r:id="rId11"/>
+    <p:sldLayoutId id="2147484109" r:id="rId12"/>
+    <p:sldLayoutId id="2147484110" r:id="rId13"/>
+    <p:sldLayoutId id="2147484111" r:id="rId14"/>
+    <p:sldLayoutId id="2147484112" r:id="rId15"/>
+    <p:sldLayoutId id="2147484113" r:id="rId16"/>
+    <p:sldLayoutId id="2147484114" r:id="rId17"/>
   </p:sldLayoutIdLst>
   <p:txStyles>
     <p:titleStyle>
@@ -12463,9 +12459,12 @@
           </a:xfrm>
         </p:spPr>
         <p:txBody>
-          <a:bodyPr/>
+          <a:bodyPr>
+            <a:normAutofit/>
+          </a:bodyPr>
           <a:lstStyle/>
           <a:p>
+            <a:pPr algn="r"/>
             <a:r>
               <a:rPr lang="ru-RU" dirty="0" smtClean="0"/>
               <a:t>Аппаратно-программный комплекс измерения скорости объекта</a:t>
@@ -12486,8 +12485,8 @@
         </p:nvSpPr>
         <p:spPr>
           <a:xfrm>
-            <a:off x="2807450" y="4972834"/>
-            <a:ext cx="8101618" cy="1311362"/>
+            <a:off x="1070090" y="4898020"/>
+            <a:ext cx="4324870" cy="912577"/>
           </a:xfrm>
         </p:spPr>
         <p:txBody>
@@ -12496,37 +12495,71 @@
           </a:bodyPr>
           <a:lstStyle/>
           <a:p>
+            <a:pPr algn="l">
+              <a:lnSpc>
+                <a:spcPct val="100000"/>
+              </a:lnSpc>
+            </a:pPr>
             <a:r>
-              <a:rPr lang="ru-RU" dirty="0" smtClean="0"/>
-              <a:t>Подготовил: Кабринович </a:t>
+              <a:rPr lang="ru-RU" dirty="0" smtClean="0">
+                <a:solidFill>
+                  <a:schemeClr val="tx1"/>
+                </a:solidFill>
+              </a:rPr>
+              <a:t>Подготовил: Кабринович Е.Н.</a:t>
             </a:r>
+          </a:p>
+          <a:p>
+            <a:pPr algn="l">
+              <a:lnSpc>
+                <a:spcPct val="100000"/>
+              </a:lnSpc>
+            </a:pPr>
             <a:r>
-              <a:rPr lang="ru-RU" dirty="0" smtClean="0"/>
-              <a:t>Е.Н.</a:t>
-            </a:r>
-          </a:p>
-          <a:p>
-            <a:r>
-              <a:rPr lang="ru-RU" dirty="0" smtClean="0"/>
+              <a:rPr lang="ru-RU" dirty="0" smtClean="0">
+                <a:solidFill>
+                  <a:schemeClr val="tx1"/>
+                </a:solidFill>
+              </a:rPr>
               <a:t>Руководитель: </a:t>
             </a:r>
             <a:r>
-              <a:rPr lang="ru-RU" dirty="0" err="1" smtClean="0"/>
+              <a:rPr lang="ru-RU" dirty="0" err="1" smtClean="0">
+                <a:solidFill>
+                  <a:schemeClr val="tx1"/>
+                </a:solidFill>
+              </a:rPr>
               <a:t>байрак</a:t>
             </a:r>
             <a:r>
-              <a:rPr lang="ru-RU" dirty="0" smtClean="0"/>
+              <a:rPr lang="ru-RU" dirty="0" smtClean="0">
+                <a:solidFill>
+                  <a:schemeClr val="tx1"/>
+                </a:solidFill>
+              </a:rPr>
               <a:t> </a:t>
             </a:r>
             <a:r>
-              <a:rPr lang="ru-RU" dirty="0" err="1" smtClean="0"/>
+              <a:rPr lang="ru-RU" dirty="0" err="1" smtClean="0">
+                <a:solidFill>
+                  <a:schemeClr val="tx1"/>
+                </a:solidFill>
+              </a:rPr>
               <a:t>с.а</a:t>
             </a:r>
             <a:r>
-              <a:rPr lang="ru-RU" dirty="0" smtClean="0"/>
+              <a:rPr lang="ru-RU" dirty="0" smtClean="0">
+                <a:solidFill>
+                  <a:schemeClr val="tx1"/>
+                </a:solidFill>
+              </a:rPr>
               <a:t>.</a:t>
             </a:r>
-            <a:endParaRPr lang="be-BY" dirty="0"/>
+            <a:endParaRPr lang="be-BY" dirty="0">
+              <a:solidFill>
+                <a:schemeClr val="tx1"/>
+              </a:solidFill>
+            </a:endParaRPr>
           </a:p>
         </p:txBody>
       </p:sp>
@@ -12540,6 +12573,13 @@
   <p:clrMapOvr>
     <a:masterClrMapping/>
   </p:clrMapOvr>
+  <p:timing>
+    <p:tnLst>
+      <p:par>
+        <p:cTn id="1" dur="indefinite" restart="never" nodeType="tmRoot"/>
+      </p:par>
+    </p:tnLst>
+  </p:timing>
 </p:sld>
 </file>
 
@@ -12652,6 +12692,13 @@
   <p:clrMapOvr>
     <a:masterClrMapping/>
   </p:clrMapOvr>
+  <p:timing>
+    <p:tnLst>
+      <p:par>
+        <p:cTn id="1" dur="indefinite" restart="never" nodeType="tmRoot"/>
+      </p:par>
+    </p:tnLst>
+  </p:timing>
 </p:sld>
 </file>
 
@@ -12682,35 +12729,22 @@
             <p:ph type="title"/>
           </p:nvPr>
         </p:nvSpPr>
-        <p:spPr/>
+        <p:spPr>
+          <a:xfrm>
+            <a:off x="1066598" y="2846328"/>
+            <a:ext cx="9905998" cy="1478570"/>
+          </a:xfrm>
+        </p:spPr>
         <p:txBody>
           <a:bodyPr/>
           <a:lstStyle/>
           <a:p>
+            <a:pPr algn="ctr"/>
             <a:r>
-              <a:rPr lang="ru-RU" dirty="0" smtClean="0"/>
+              <a:rPr lang="ru-RU" b="1" dirty="0" smtClean="0"/>
               <a:t>Спасибо за внимание</a:t>
             </a:r>
-            <a:endParaRPr lang="be-BY" dirty="0"/>
-          </a:p>
-        </p:txBody>
-      </p:sp>
-      <p:sp>
-        <p:nvSpPr>
-          <p:cNvPr id="3" name="Объект 2"/>
-          <p:cNvSpPr>
-            <a:spLocks noGrp="1"/>
-          </p:cNvSpPr>
-          <p:nvPr>
-            <p:ph idx="1"/>
-          </p:nvPr>
-        </p:nvSpPr>
-        <p:spPr/>
-        <p:txBody>
-          <a:bodyPr/>
-          <a:lstStyle/>
-          <a:p>
-            <a:endParaRPr lang="be-BY"/>
+            <a:endParaRPr lang="be-BY" b="1" dirty="0"/>
           </a:p>
         </p:txBody>
       </p:sp>
@@ -12724,6 +12758,13 @@
   <p:clrMapOvr>
     <a:masterClrMapping/>
   </p:clrMapOvr>
+  <p:timing>
+    <p:tnLst>
+      <p:par>
+        <p:cTn id="1" dur="indefinite" restart="never" nodeType="tmRoot"/>
+      </p:par>
+    </p:tnLst>
+  </p:timing>
 </p:sld>
 </file>
 
@@ -12957,6 +12998,13 @@
   <p:clrMapOvr>
     <a:masterClrMapping/>
   </p:clrMapOvr>
+  <p:timing>
+    <p:tnLst>
+      <p:par>
+        <p:cTn id="1" dur="indefinite" restart="never" nodeType="tmRoot"/>
+      </p:par>
+    </p:tnLst>
+  </p:timing>
 </p:sld>
 </file>
 
@@ -13026,7 +13074,7 @@
         </p:nvSpPr>
         <p:spPr>
           <a:xfrm>
-            <a:off x="5796981" y="3038701"/>
+            <a:off x="5644581" y="3133951"/>
             <a:ext cx="861559" cy="798513"/>
           </a:xfrm>
         </p:spPr>
@@ -13040,19 +13088,33 @@
               <a:buNone/>
             </a:pPr>
             <a:r>
-              <a:rPr lang="en-US" sz="4000" dirty="0" smtClean="0">
-                <a:solidFill>
-                  <a:srgbClr val="FFFF00"/>
-                </a:solidFill>
+              <a:rPr lang="en-US" sz="4000" b="1" dirty="0" smtClean="0">
+                <a:ln w="9525">
+                  <a:solidFill>
+                    <a:schemeClr val="bg1"/>
+                  </a:solidFill>
+                  <a:prstDash val="solid"/>
+                </a:ln>
+                <a:effectLst>
+                  <a:outerShdw blurRad="12700" dist="38100" dir="2700000" algn="tl" rotWithShape="0">
+                    <a:schemeClr val="bg1">
+                      <a:lumMod val="50000"/>
+                    </a:schemeClr>
+                  </a:outerShdw>
+                </a:effectLst>
                 <a:latin typeface="Arial" panose="020B0604020202020204" pitchFamily="34" charset="0"/>
                 <a:cs typeface="Arial" panose="020B0604020202020204" pitchFamily="34" charset="0"/>
               </a:rPr>
               <a:t>VS</a:t>
             </a:r>
-            <a:endParaRPr lang="be-BY" sz="4000" dirty="0">
-              <a:solidFill>
-                <a:srgbClr val="FFFF00"/>
-              </a:solidFill>
+            <a:endParaRPr lang="be-BY" sz="4000" b="1" dirty="0">
+              <a:effectLst>
+                <a:outerShdw blurRad="38100" dist="38100" dir="2700000" algn="tl">
+                  <a:srgbClr val="000000">
+                    <a:alpha val="43137"/>
+                  </a:srgbClr>
+                </a:outerShdw>
+              </a:effectLst>
               <a:latin typeface="Arial" panose="020B0604020202020204" pitchFamily="34" charset="0"/>
               <a:cs typeface="Arial" panose="020B0604020202020204" pitchFamily="34" charset="0"/>
             </a:endParaRPr>
@@ -13082,7 +13144,7 @@
         </p:blipFill>
         <p:spPr bwMode="auto">
           <a:xfrm>
-            <a:off x="1331912" y="1478570"/>
+            <a:off x="1627187" y="1573820"/>
             <a:ext cx="2771775" cy="2543175"/>
           </a:xfrm>
           <a:prstGeom prst="rect">
@@ -13123,7 +13185,7 @@
         </p:blipFill>
         <p:spPr bwMode="auto">
           <a:xfrm>
-            <a:off x="8351834" y="3193070"/>
+            <a:off x="7751759" y="3437957"/>
             <a:ext cx="2857500" cy="2857500"/>
           </a:xfrm>
           <a:prstGeom prst="rect">
@@ -13151,6 +13213,13 @@
   <p:clrMapOvr>
     <a:masterClrMapping/>
   </p:clrMapOvr>
+  <p:timing>
+    <p:tnLst>
+      <p:par>
+        <p:cTn id="1" dur="indefinite" restart="never" nodeType="tmRoot"/>
+      </p:par>
+    </p:tnLst>
+  </p:timing>
 </p:sld>
 </file>
 
@@ -13183,8 +13252,8 @@
         </p:nvSpPr>
         <p:spPr>
           <a:xfrm>
-            <a:off x="1213985" y="0"/>
-            <a:ext cx="9905998" cy="1478570"/>
+            <a:off x="1276049" y="502052"/>
+            <a:ext cx="8618954" cy="897775"/>
           </a:xfrm>
         </p:spPr>
         <p:txBody>
@@ -13239,8 +13308,8 @@
         </p:blipFill>
         <p:spPr bwMode="auto">
           <a:xfrm>
-            <a:off x="4256991" y="2503488"/>
-            <a:ext cx="6340475" cy="3863181"/>
+            <a:off x="341036" y="3697432"/>
+            <a:ext cx="4508921" cy="2806369"/>
           </a:xfrm>
           <a:prstGeom prst="rect">
             <a:avLst/>
@@ -13274,8 +13343,8 @@
         </p:blipFill>
         <p:spPr bwMode="auto">
           <a:xfrm>
-            <a:off x="620032" y="1478570"/>
-            <a:ext cx="2771775" cy="2543175"/>
+            <a:off x="10028654" y="321077"/>
+            <a:ext cx="1649343" cy="1513315"/>
           </a:xfrm>
           <a:prstGeom prst="rect">
             <a:avLst/>
@@ -13292,6 +13361,34 @@
           </a:extLst>
         </p:spPr>
       </p:pic>
+      <p:pic>
+        <p:nvPicPr>
+          <p:cNvPr id="5" name="Рисунок 4"/>
+          <p:cNvPicPr>
+            <a:picLocks noChangeAspect="1"/>
+          </p:cNvPicPr>
+          <p:nvPr/>
+        </p:nvPicPr>
+        <p:blipFill rotWithShape="1">
+          <a:blip r:embed="rId4"/>
+          <a:srcRect t="1505" r="4682" b="10162"/>
+          <a:stretch/>
+        </p:blipFill>
+        <p:spPr>
+          <a:xfrm>
+            <a:off x="8226310" y="3108553"/>
+            <a:ext cx="3337387" cy="3395248"/>
+          </a:xfrm>
+          <a:prstGeom prst="rect">
+            <a:avLst/>
+          </a:prstGeom>
+          <a:ln w="38100">
+            <a:solidFill>
+              <a:schemeClr val="bg1"/>
+            </a:solidFill>
+          </a:ln>
+        </p:spPr>
+      </p:pic>
     </p:spTree>
     <p:extLst>
       <p:ext uri="{BB962C8B-B14F-4D97-AF65-F5344CB8AC3E}">
@@ -13302,6 +13399,13 @@
   <p:clrMapOvr>
     <a:masterClrMapping/>
   </p:clrMapOvr>
+  <p:timing>
+    <p:tnLst>
+      <p:par>
+        <p:cTn id="1" dur="indefinite" restart="never" nodeType="tmRoot"/>
+      </p:par>
+    </p:tnLst>
+  </p:timing>
 </p:sld>
 </file>
 
@@ -13377,8 +13481,8 @@
         </p:blipFill>
         <p:spPr>
           <a:xfrm>
-            <a:off x="2976666" y="1973716"/>
-            <a:ext cx="6235492" cy="4536003"/>
+            <a:off x="2653949" y="1478570"/>
+            <a:ext cx="6880925" cy="5005523"/>
           </a:xfrm>
           <a:prstGeom prst="rect">
             <a:avLst/>
@@ -13395,6 +13499,13 @@
   <p:clrMapOvr>
     <a:masterClrMapping/>
   </p:clrMapOvr>
+  <p:timing>
+    <p:tnLst>
+      <p:par>
+        <p:cTn id="1" dur="indefinite" restart="never" nodeType="tmRoot"/>
+      </p:par>
+    </p:tnLst>
+  </p:timing>
 </p:sld>
 </file>
 
@@ -13488,6 +13599,13 @@
   <p:clrMapOvr>
     <a:masterClrMapping/>
   </p:clrMapOvr>
+  <p:timing>
+    <p:tnLst>
+      <p:par>
+        <p:cTn id="1" dur="indefinite" restart="never" nodeType="tmRoot"/>
+      </p:par>
+    </p:tnLst>
+  </p:timing>
 </p:sld>
 </file>
 
@@ -13520,8 +13638,8 @@
         </p:nvSpPr>
         <p:spPr>
           <a:xfrm>
-            <a:off x="1141413" y="0"/>
-            <a:ext cx="9905998" cy="1478570"/>
+            <a:off x="0" y="0"/>
+            <a:ext cx="12192000" cy="1230284"/>
           </a:xfrm>
         </p:spPr>
         <p:txBody>
@@ -13557,8 +13675,8 @@
         </p:nvSpPr>
         <p:spPr>
           <a:xfrm>
-            <a:off x="6094412" y="1478570"/>
-            <a:ext cx="3949925" cy="595313"/>
+            <a:off x="7055314" y="1434389"/>
+            <a:ext cx="3949925" cy="516484"/>
           </a:xfrm>
         </p:spPr>
         <p:txBody>
@@ -13568,16 +13686,33 @@
           <a:lstStyle/>
           <a:p>
             <a:pPr marL="0" indent="0" algn="ctr">
+              <a:spcBef>
+                <a:spcPts val="0"/>
+              </a:spcBef>
               <a:buNone/>
             </a:pPr>
             <a:r>
-              <a:rPr lang="ru-RU" sz="2000" dirty="0" smtClean="0">
+              <a:rPr lang="ru-RU" sz="2000" i="1" dirty="0" smtClean="0">
+                <a:effectLst>
+                  <a:outerShdw blurRad="38100" dist="38100" dir="2700000" algn="tl">
+                    <a:srgbClr val="000000">
+                      <a:alpha val="43137"/>
+                    </a:srgbClr>
+                  </a:outerShdw>
+                </a:effectLst>
                 <a:latin typeface="Arial" panose="020B0604020202020204" pitchFamily="34" charset="0"/>
                 <a:cs typeface="Arial" panose="020B0604020202020204" pitchFamily="34" charset="0"/>
               </a:rPr>
               <a:t>Основные особенности схемы</a:t>
             </a:r>
-            <a:endParaRPr lang="be-BY" sz="2000" dirty="0">
+            <a:endParaRPr lang="be-BY" sz="2000" i="1" dirty="0">
+              <a:effectLst>
+                <a:outerShdw blurRad="38100" dist="38100" dir="2700000" algn="tl">
+                  <a:srgbClr val="000000">
+                    <a:alpha val="43137"/>
+                  </a:srgbClr>
+                </a:outerShdw>
+              </a:effectLst>
               <a:latin typeface="Arial" panose="020B0604020202020204" pitchFamily="34" charset="0"/>
               <a:cs typeface="Arial" panose="020B0604020202020204" pitchFamily="34" charset="0"/>
             </a:endParaRPr>
@@ -13600,7 +13735,7 @@
         </p:blipFill>
         <p:spPr>
           <a:xfrm>
-            <a:off x="1752251" y="1335314"/>
+            <a:off x="1336615" y="1478570"/>
             <a:ext cx="3731323" cy="5174343"/>
           </a:xfrm>
           <a:prstGeom prst="rect">
@@ -13624,7 +13759,7 @@
         </p:blipFill>
         <p:spPr>
           <a:xfrm>
-            <a:off x="7121751" y="2528207"/>
+            <a:off x="7279840" y="2671463"/>
             <a:ext cx="3667125" cy="3981450"/>
           </a:xfrm>
           <a:prstGeom prst="rect">
@@ -13642,6 +13777,13 @@
   <p:clrMapOvr>
     <a:masterClrMapping/>
   </p:clrMapOvr>
+  <p:timing>
+    <p:tnLst>
+      <p:par>
+        <p:cTn id="1" dur="indefinite" restart="never" nodeType="tmRoot"/>
+      </p:par>
+    </p:tnLst>
+  </p:timing>
 </p:sld>
 </file>
 
@@ -13701,7 +13843,12 @@
             <p:ph idx="1"/>
           </p:nvPr>
         </p:nvSpPr>
-        <p:spPr/>
+        <p:spPr>
+          <a:xfrm>
+            <a:off x="1141412" y="1900353"/>
+            <a:ext cx="9905999" cy="3541714"/>
+          </a:xfrm>
+        </p:spPr>
         <p:txBody>
           <a:bodyPr/>
           <a:lstStyle/>
@@ -13733,7 +13880,7 @@
         </p:blipFill>
         <p:spPr bwMode="auto">
           <a:xfrm>
-            <a:off x="6372419" y="2249487"/>
+            <a:off x="6372419" y="1900353"/>
             <a:ext cx="5415847" cy="3046414"/>
           </a:xfrm>
           <a:prstGeom prst="rect">
@@ -13774,7 +13921,7 @@
         </p:blipFill>
         <p:spPr bwMode="auto">
           <a:xfrm>
-            <a:off x="678564" y="2249487"/>
+            <a:off x="678564" y="1900353"/>
             <a:ext cx="5415847" cy="3046414"/>
           </a:xfrm>
           <a:prstGeom prst="rect">
@@ -13802,8 +13949,8 @@
         </p:nvSpPr>
         <p:spPr>
           <a:xfrm>
-            <a:off x="6574972" y="5308528"/>
-            <a:ext cx="5094514" cy="1150329"/>
+            <a:off x="6372419" y="4959395"/>
+            <a:ext cx="5415847" cy="950956"/>
           </a:xfrm>
           <a:prstGeom prst="rect">
             <a:avLst/>
@@ -13988,6 +14135,9 @@
           </a:lstStyle>
           <a:p>
             <a:pPr marL="0" indent="0" algn="ctr">
+              <a:lnSpc>
+                <a:spcPct val="100000"/>
+              </a:lnSpc>
               <a:buFont typeface="Arial" panose="020B0604020202020204" pitchFamily="34" charset="0"/>
               <a:buNone/>
             </a:pPr>
@@ -14001,6 +14151,9 @@
           </a:p>
           <a:p>
             <a:pPr marL="0" indent="0" algn="ctr">
+              <a:lnSpc>
+                <a:spcPct val="100000"/>
+              </a:lnSpc>
               <a:buFont typeface="Arial" panose="020B0604020202020204" pitchFamily="34" charset="0"/>
               <a:buNone/>
             </a:pPr>
@@ -14035,8 +14188,8 @@
         </p:nvSpPr>
         <p:spPr>
           <a:xfrm>
-            <a:off x="858383" y="5335743"/>
-            <a:ext cx="5094514" cy="1150329"/>
+            <a:off x="678564" y="4946768"/>
+            <a:ext cx="5415847" cy="847204"/>
           </a:xfrm>
           <a:prstGeom prst="rect">
             <a:avLst/>
@@ -14248,6 +14401,13 @@
   <p:clrMapOvr>
     <a:masterClrMapping/>
   </p:clrMapOvr>
+  <p:timing>
+    <p:tnLst>
+      <p:par>
+        <p:cTn id="1" dur="indefinite" restart="never" nodeType="tmRoot"/>
+      </p:par>
+    </p:tnLst>
+  </p:timing>
 </p:sld>
 </file>
 
@@ -14280,8 +14440,8 @@
         </p:nvSpPr>
         <p:spPr>
           <a:xfrm>
-            <a:off x="1141413" y="351818"/>
-            <a:ext cx="9905998" cy="1478570"/>
+            <a:off x="565265" y="351818"/>
+            <a:ext cx="11172306" cy="1478570"/>
           </a:xfrm>
         </p:spPr>
         <p:txBody>
@@ -14328,7 +14488,7 @@
         </p:blipFill>
         <p:spPr bwMode="auto">
           <a:xfrm>
-            <a:off x="1331232" y="3846287"/>
+            <a:off x="565265" y="3779786"/>
             <a:ext cx="4570386" cy="2570842"/>
           </a:xfrm>
           <a:prstGeom prst="rect">
@@ -14369,7 +14529,7 @@
         </p:blipFill>
         <p:spPr bwMode="auto">
           <a:xfrm>
-            <a:off x="6532002" y="2300289"/>
+            <a:off x="7222162" y="1830388"/>
             <a:ext cx="4515409" cy="2539918"/>
           </a:xfrm>
           <a:prstGeom prst="rect">
@@ -14395,7 +14555,7 @@
         </p:nvSpPr>
         <p:spPr>
           <a:xfrm>
-            <a:off x="1331232" y="3370193"/>
+            <a:off x="565265" y="3303692"/>
             <a:ext cx="1702254" cy="400110"/>
           </a:xfrm>
           <a:prstGeom prst="rect">
@@ -14431,7 +14591,7 @@
         </p:nvSpPr>
         <p:spPr>
           <a:xfrm>
-            <a:off x="9345157" y="4931653"/>
+            <a:off x="10035317" y="4461752"/>
             <a:ext cx="1702254" cy="400110"/>
           </a:xfrm>
           <a:prstGeom prst="rect">
@@ -14470,6 +14630,13 @@
   <p:clrMapOvr>
     <a:masterClrMapping/>
   </p:clrMapOvr>
+  <p:timing>
+    <p:tnLst>
+      <p:par>
+        <p:cTn id="1" dur="indefinite" restart="never" nodeType="tmRoot"/>
+      </p:par>
+    </p:tnLst>
+  </p:timing>
 </p:sld>
 </file>
 
@@ -14484,34 +14651,34 @@
         <a:sysClr val="window" lastClr="FFFFFF"/>
       </a:lt1>
       <a:dk2>
-        <a:srgbClr val="134770"/>
+        <a:srgbClr val="252C36"/>
       </a:dk2>
       <a:lt2>
-        <a:srgbClr val="82FFFF"/>
+        <a:srgbClr val="7C96A3"/>
       </a:lt2>
       <a:accent1>
-        <a:srgbClr val="9ACD4C"/>
+        <a:srgbClr val="4FD093"/>
       </a:accent1>
       <a:accent2>
-        <a:srgbClr val="FAA93A"/>
+        <a:srgbClr val="54BCDF"/>
       </a:accent2>
       <a:accent3>
-        <a:srgbClr val="D35940"/>
+        <a:srgbClr val="A262D0"/>
       </a:accent3>
       <a:accent4>
-        <a:srgbClr val="B258D3"/>
+        <a:srgbClr val="D7537B"/>
       </a:accent4>
       <a:accent5>
-        <a:srgbClr val="63A0CC"/>
+        <a:srgbClr val="E78045"/>
       </a:accent5>
       <a:accent6>
-        <a:srgbClr val="8AC4A7"/>
+        <a:srgbClr val="84C350"/>
       </a:accent6>
       <a:hlink>
-        <a:srgbClr val="B8FA56"/>
+        <a:srgbClr val="22FFFF"/>
       </a:hlink>
       <a:folHlink>
-        <a:srgbClr val="7AF8CC"/>
+        <a:srgbClr val="9BF3FD"/>
       </a:folHlink>
     </a:clrScheme>
     <a:fontScheme name="Контур">
@@ -14678,7 +14845,7 @@
                 <a:tint val="98000"/>
                 <a:hueMod val="94000"/>
                 <a:satMod val="148000"/>
-                <a:lumMod val="150000"/>
+                <a:lumMod val="140000"/>
               </a:schemeClr>
             </a:gs>
             <a:gs pos="100000">
@@ -14686,7 +14853,7 @@
                 <a:shade val="92000"/>
                 <a:hueMod val="104000"/>
                 <a:satMod val="140000"/>
-                <a:lumMod val="68000"/>
+                <a:lumMod val="48000"/>
               </a:schemeClr>
             </a:gs>
           </a:gsLst>
@@ -14696,16 +14863,16 @@
           <a:blip xmlns:r="http://schemas.openxmlformats.org/officeDocument/2006/relationships" r:embed="rId1">
             <a:duotone>
               <a:schemeClr val="phClr">
-                <a:shade val="88000"/>
+                <a:shade val="48000"/>
                 <a:hueMod val="106000"/>
                 <a:satMod val="140000"/>
-                <a:lumMod val="54000"/>
+                <a:lumMod val="42000"/>
               </a:schemeClr>
               <a:schemeClr val="phClr">
                 <a:tint val="98000"/>
-                <a:hueMod val="90000"/>
-                <a:satMod val="150000"/>
-                <a:lumMod val="160000"/>
+                <a:hueMod val="92000"/>
+                <a:satMod val="220000"/>
+                <a:lumMod val="90000"/>
               </a:schemeClr>
             </a:duotone>
           </a:blip>
@@ -14718,7 +14885,7 @@
   <a:extraClrSchemeLst/>
   <a:extLst>
     <a:ext uri="{05A4C25C-085E-4340-85A3-A5531E510DB2}">
-      <thm15:themeFamily xmlns:thm15="http://schemas.microsoft.com/office/thememl/2012/main" name="Circuit" id="{0AC2F7E7-15F5-431C-B2A2-456FE929F56C}" vid="{0911B802-464C-4241-8DD9-B60FF88E379F}"/>
+      <thm15:themeFamily xmlns:thm15="http://schemas.microsoft.com/office/thememl/2012/main" name="Circuit" id="{0AC2F7E7-15F5-431C-B2A2-456FE929F56C}" vid="{142578CA-DEC9-49C3-80AF-C113973CC9A9}"/>
     </a:ext>
   </a:extLst>
 </a:theme>

--- a/Презентация.pptx
+++ b/Презентация.pptx
@@ -179,7 +179,7 @@
           <a:noFill/>
           <a:extLst>
             <a:ext uri="{909E8E84-426E-40dd-AFC4-6F175D3DCCD1}">
-              <a14:hiddenFill xmlns:a14="http://schemas.microsoft.com/office/drawing/2010/main" xmlns="">
+              <a14:hiddenFill xmlns="" xmlns:a14="http://schemas.microsoft.com/office/drawing/2010/main">
                 <a:solidFill>
                   <a:srgbClr val="FFFFFF"/>
                 </a:solidFill>
@@ -238,7 +238,7 @@
             </a:ln>
             <a:extLst>
               <a:ext uri="{91240B29-F687-4f45-9708-019B960494DF}">
-                <a14:hiddenLine xmlns:a14="http://schemas.microsoft.com/office/drawing/2010/main" xmlns="" w="9525">
+                <a14:hiddenLine xmlns="" xmlns:a14="http://schemas.microsoft.com/office/drawing/2010/main" w="9525">
                   <a:solidFill>
                     <a:srgbClr val="000000"/>
                   </a:solidFill>
@@ -328,7 +328,7 @@
             </a:ln>
             <a:extLst>
               <a:ext uri="{91240B29-F687-4f45-9708-019B960494DF}">
-                <a14:hiddenLine xmlns:a14="http://schemas.microsoft.com/office/drawing/2010/main" xmlns="" w="9525">
+                <a14:hiddenLine xmlns="" xmlns:a14="http://schemas.microsoft.com/office/drawing/2010/main" w="9525">
                   <a:solidFill>
                     <a:srgbClr val="000000"/>
                   </a:solidFill>
@@ -418,7 +418,7 @@
             </a:ln>
             <a:extLst>
               <a:ext uri="{91240B29-F687-4f45-9708-019B960494DF}">
-                <a14:hiddenLine xmlns:a14="http://schemas.microsoft.com/office/drawing/2010/main" xmlns="" w="9525">
+                <a14:hiddenLine xmlns="" xmlns:a14="http://schemas.microsoft.com/office/drawing/2010/main" w="9525">
                   <a:solidFill>
                     <a:srgbClr val="000000"/>
                   </a:solidFill>
@@ -452,7 +452,7 @@
             </a:ln>
             <a:extLst>
               <a:ext uri="{91240B29-F687-4f45-9708-019B960494DF}">
-                <a14:hiddenLine xmlns:a14="http://schemas.microsoft.com/office/drawing/2010/main" xmlns="" w="9525">
+                <a14:hiddenLine xmlns="" xmlns:a14="http://schemas.microsoft.com/office/drawing/2010/main" w="9525">
                   <a:solidFill>
                     <a:srgbClr val="000000"/>
                   </a:solidFill>
@@ -542,7 +542,7 @@
             </a:ln>
             <a:extLst>
               <a:ext uri="{91240B29-F687-4f45-9708-019B960494DF}">
-                <a14:hiddenLine xmlns:a14="http://schemas.microsoft.com/office/drawing/2010/main" xmlns="" w="9525">
+                <a14:hiddenLine xmlns="" xmlns:a14="http://schemas.microsoft.com/office/drawing/2010/main" w="9525">
                   <a:solidFill>
                     <a:srgbClr val="000000"/>
                   </a:solidFill>
@@ -604,7 +604,7 @@
             </a:ln>
             <a:extLst>
               <a:ext uri="{91240B29-F687-4f45-9708-019B960494DF}">
-                <a14:hiddenLine xmlns:a14="http://schemas.microsoft.com/office/drawing/2010/main" xmlns="" w="9525">
+                <a14:hiddenLine xmlns="" xmlns:a14="http://schemas.microsoft.com/office/drawing/2010/main" w="9525">
                   <a:solidFill>
                     <a:srgbClr val="000000"/>
                   </a:solidFill>
@@ -666,7 +666,7 @@
             </a:ln>
             <a:extLst>
               <a:ext uri="{91240B29-F687-4f45-9708-019B960494DF}">
-                <a14:hiddenLine xmlns:a14="http://schemas.microsoft.com/office/drawing/2010/main" xmlns="" w="9525">
+                <a14:hiddenLine xmlns="" xmlns:a14="http://schemas.microsoft.com/office/drawing/2010/main" w="9525">
                   <a:solidFill>
                     <a:srgbClr val="000000"/>
                   </a:solidFill>
@@ -756,7 +756,7 @@
             </a:ln>
             <a:extLst>
               <a:ext uri="{91240B29-F687-4f45-9708-019B960494DF}">
-                <a14:hiddenLine xmlns:a14="http://schemas.microsoft.com/office/drawing/2010/main" xmlns="" w="9525">
+                <a14:hiddenLine xmlns="" xmlns:a14="http://schemas.microsoft.com/office/drawing/2010/main" w="9525">
                   <a:solidFill>
                     <a:srgbClr val="000000"/>
                   </a:solidFill>
@@ -818,7 +818,7 @@
             </a:ln>
             <a:extLst>
               <a:ext uri="{91240B29-F687-4f45-9708-019B960494DF}">
-                <a14:hiddenLine xmlns:a14="http://schemas.microsoft.com/office/drawing/2010/main" xmlns="" w="9525">
+                <a14:hiddenLine xmlns="" xmlns:a14="http://schemas.microsoft.com/office/drawing/2010/main" w="9525">
                   <a:solidFill>
                     <a:srgbClr val="000000"/>
                   </a:solidFill>
@@ -880,7 +880,7 @@
             </a:ln>
             <a:extLst>
               <a:ext uri="{91240B29-F687-4f45-9708-019B960494DF}">
-                <a14:hiddenLine xmlns:a14="http://schemas.microsoft.com/office/drawing/2010/main" xmlns="" w="9525">
+                <a14:hiddenLine xmlns="" xmlns:a14="http://schemas.microsoft.com/office/drawing/2010/main" w="9525">
                   <a:solidFill>
                     <a:srgbClr val="000000"/>
                   </a:solidFill>
@@ -970,7 +970,7 @@
             </a:ln>
             <a:extLst>
               <a:ext uri="{91240B29-F687-4f45-9708-019B960494DF}">
-                <a14:hiddenLine xmlns:a14="http://schemas.microsoft.com/office/drawing/2010/main" xmlns="" w="9525">
+                <a14:hiddenLine xmlns="" xmlns:a14="http://schemas.microsoft.com/office/drawing/2010/main" w="9525">
                   <a:solidFill>
                     <a:srgbClr val="000000"/>
                   </a:solidFill>
@@ -1060,7 +1060,7 @@
             </a:ln>
             <a:extLst>
               <a:ext uri="{91240B29-F687-4f45-9708-019B960494DF}">
-                <a14:hiddenLine xmlns:a14="http://schemas.microsoft.com/office/drawing/2010/main" xmlns="" w="9525">
+                <a14:hiddenLine xmlns="" xmlns:a14="http://schemas.microsoft.com/office/drawing/2010/main" w="9525">
                   <a:solidFill>
                     <a:srgbClr val="000000"/>
                   </a:solidFill>
@@ -1122,7 +1122,7 @@
             </a:ln>
             <a:extLst>
               <a:ext uri="{91240B29-F687-4f45-9708-019B960494DF}">
-                <a14:hiddenLine xmlns:a14="http://schemas.microsoft.com/office/drawing/2010/main" xmlns="" w="9525">
+                <a14:hiddenLine xmlns="" xmlns:a14="http://schemas.microsoft.com/office/drawing/2010/main" w="9525">
                   <a:solidFill>
                     <a:srgbClr val="000000"/>
                   </a:solidFill>
@@ -1232,7 +1232,7 @@
             </a:ln>
             <a:extLst>
               <a:ext uri="{91240B29-F687-4f45-9708-019B960494DF}">
-                <a14:hiddenLine xmlns:a14="http://schemas.microsoft.com/office/drawing/2010/main" xmlns="" w="9525">
+                <a14:hiddenLine xmlns="" xmlns:a14="http://schemas.microsoft.com/office/drawing/2010/main" w="9525">
                   <a:solidFill>
                     <a:srgbClr val="000000"/>
                   </a:solidFill>
@@ -1294,7 +1294,7 @@
             </a:ln>
             <a:extLst>
               <a:ext uri="{91240B29-F687-4f45-9708-019B960494DF}">
-                <a14:hiddenLine xmlns:a14="http://schemas.microsoft.com/office/drawing/2010/main" xmlns="" w="9525">
+                <a14:hiddenLine xmlns="" xmlns:a14="http://schemas.microsoft.com/office/drawing/2010/main" w="9525">
                   <a:solidFill>
                     <a:srgbClr val="000000"/>
                   </a:solidFill>
@@ -1384,7 +1384,7 @@
             </a:ln>
             <a:extLst>
               <a:ext uri="{91240B29-F687-4f45-9708-019B960494DF}">
-                <a14:hiddenLine xmlns:a14="http://schemas.microsoft.com/office/drawing/2010/main" xmlns="" w="9525">
+                <a14:hiddenLine xmlns="" xmlns:a14="http://schemas.microsoft.com/office/drawing/2010/main" w="9525">
                   <a:solidFill>
                     <a:srgbClr val="000000"/>
                   </a:solidFill>
@@ -1474,7 +1474,7 @@
             </a:ln>
             <a:extLst>
               <a:ext uri="{91240B29-F687-4f45-9708-019B960494DF}">
-                <a14:hiddenLine xmlns:a14="http://schemas.microsoft.com/office/drawing/2010/main" xmlns="" w="9525">
+                <a14:hiddenLine xmlns="" xmlns:a14="http://schemas.microsoft.com/office/drawing/2010/main" w="9525">
                   <a:solidFill>
                     <a:srgbClr val="000000"/>
                   </a:solidFill>
@@ -1536,7 +1536,7 @@
             </a:ln>
             <a:extLst>
               <a:ext uri="{91240B29-F687-4f45-9708-019B960494DF}">
-                <a14:hiddenLine xmlns:a14="http://schemas.microsoft.com/office/drawing/2010/main" xmlns="" w="9525">
+                <a14:hiddenLine xmlns="" xmlns:a14="http://schemas.microsoft.com/office/drawing/2010/main" w="9525">
                   <a:solidFill>
                     <a:srgbClr val="000000"/>
                   </a:solidFill>
@@ -1626,7 +1626,7 @@
             </a:ln>
             <a:extLst>
               <a:ext uri="{91240B29-F687-4f45-9708-019B960494DF}">
-                <a14:hiddenLine xmlns:a14="http://schemas.microsoft.com/office/drawing/2010/main" xmlns="" w="9525">
+                <a14:hiddenLine xmlns="" xmlns:a14="http://schemas.microsoft.com/office/drawing/2010/main" w="9525">
                   <a:solidFill>
                     <a:srgbClr val="000000"/>
                   </a:solidFill>
@@ -1716,7 +1716,7 @@
             </a:ln>
             <a:extLst>
               <a:ext uri="{91240B29-F687-4f45-9708-019B960494DF}">
-                <a14:hiddenLine xmlns:a14="http://schemas.microsoft.com/office/drawing/2010/main" xmlns="" w="9525">
+                <a14:hiddenLine xmlns="" xmlns:a14="http://schemas.microsoft.com/office/drawing/2010/main" w="9525">
                   <a:solidFill>
                     <a:srgbClr val="000000"/>
                   </a:solidFill>
@@ -1772,7 +1772,7 @@
             </a:ln>
             <a:extLst>
               <a:ext uri="{91240B29-F687-4f45-9708-019B960494DF}">
-                <a14:hiddenLine xmlns:a14="http://schemas.microsoft.com/office/drawing/2010/main" xmlns="" w="9525">
+                <a14:hiddenLine xmlns="" xmlns:a14="http://schemas.microsoft.com/office/drawing/2010/main" w="9525">
                   <a:solidFill>
                     <a:srgbClr val="000000"/>
                   </a:solidFill>
@@ -1862,7 +1862,7 @@
             </a:ln>
             <a:extLst>
               <a:ext uri="{91240B29-F687-4f45-9708-019B960494DF}">
-                <a14:hiddenLine xmlns:a14="http://schemas.microsoft.com/office/drawing/2010/main" xmlns="" w="9525">
+                <a14:hiddenLine xmlns="" xmlns:a14="http://schemas.microsoft.com/office/drawing/2010/main" w="9525">
                   <a:solidFill>
                     <a:srgbClr val="000000"/>
                   </a:solidFill>
@@ -1918,7 +1918,7 @@
             </a:ln>
             <a:extLst>
               <a:ext uri="{91240B29-F687-4f45-9708-019B960494DF}">
-                <a14:hiddenLine xmlns:a14="http://schemas.microsoft.com/office/drawing/2010/main" xmlns="" w="9525">
+                <a14:hiddenLine xmlns="" xmlns:a14="http://schemas.microsoft.com/office/drawing/2010/main" w="9525">
                   <a:solidFill>
                     <a:srgbClr val="000000"/>
                   </a:solidFill>
@@ -2008,7 +2008,7 @@
             </a:ln>
             <a:extLst>
               <a:ext uri="{91240B29-F687-4f45-9708-019B960494DF}">
-                <a14:hiddenLine xmlns:a14="http://schemas.microsoft.com/office/drawing/2010/main" xmlns="" w="9525">
+                <a14:hiddenLine xmlns="" xmlns:a14="http://schemas.microsoft.com/office/drawing/2010/main" w="9525">
                   <a:solidFill>
                     <a:srgbClr val="000000"/>
                   </a:solidFill>
@@ -2076,7 +2076,7 @@
             </a:ln>
             <a:extLst>
               <a:ext uri="{91240B29-F687-4f45-9708-019B960494DF}">
-                <a14:hiddenLine xmlns:a14="http://schemas.microsoft.com/office/drawing/2010/main" xmlns="" w="9525">
+                <a14:hiddenLine xmlns="" xmlns:a14="http://schemas.microsoft.com/office/drawing/2010/main" w="9525">
                   <a:solidFill>
                     <a:srgbClr val="000000"/>
                   </a:solidFill>
@@ -2166,7 +2166,7 @@
             </a:ln>
             <a:extLst>
               <a:ext uri="{91240B29-F687-4f45-9708-019B960494DF}">
-                <a14:hiddenLine xmlns:a14="http://schemas.microsoft.com/office/drawing/2010/main" xmlns="" w="9525">
+                <a14:hiddenLine xmlns="" xmlns:a14="http://schemas.microsoft.com/office/drawing/2010/main" w="9525">
                   <a:solidFill>
                     <a:srgbClr val="000000"/>
                   </a:solidFill>
@@ -2234,7 +2234,7 @@
             </a:ln>
             <a:extLst>
               <a:ext uri="{91240B29-F687-4f45-9708-019B960494DF}">
-                <a14:hiddenLine xmlns:a14="http://schemas.microsoft.com/office/drawing/2010/main" xmlns="" w="9525">
+                <a14:hiddenLine xmlns="" xmlns:a14="http://schemas.microsoft.com/office/drawing/2010/main" w="9525">
                   <a:solidFill>
                     <a:srgbClr val="000000"/>
                   </a:solidFill>
@@ -2324,7 +2324,7 @@
             </a:ln>
             <a:extLst>
               <a:ext uri="{91240B29-F687-4f45-9708-019B960494DF}">
-                <a14:hiddenLine xmlns:a14="http://schemas.microsoft.com/office/drawing/2010/main" xmlns="" w="9525">
+                <a14:hiddenLine xmlns="" xmlns:a14="http://schemas.microsoft.com/office/drawing/2010/main" w="9525">
                   <a:solidFill>
                     <a:srgbClr val="000000"/>
                   </a:solidFill>
@@ -2358,7 +2358,7 @@
             </a:ln>
             <a:extLst>
               <a:ext uri="{91240B29-F687-4f45-9708-019B960494DF}">
-                <a14:hiddenLine xmlns:a14="http://schemas.microsoft.com/office/drawing/2010/main" xmlns="" w="9525">
+                <a14:hiddenLine xmlns="" xmlns:a14="http://schemas.microsoft.com/office/drawing/2010/main" w="9525">
                   <a:solidFill>
                     <a:srgbClr val="000000"/>
                   </a:solidFill>
@@ -2448,7 +2448,7 @@
             </a:ln>
             <a:extLst>
               <a:ext uri="{91240B29-F687-4f45-9708-019B960494DF}">
-                <a14:hiddenLine xmlns:a14="http://schemas.microsoft.com/office/drawing/2010/main" xmlns="" w="9525">
+                <a14:hiddenLine xmlns="" xmlns:a14="http://schemas.microsoft.com/office/drawing/2010/main" w="9525">
                   <a:solidFill>
                     <a:srgbClr val="000000"/>
                   </a:solidFill>
@@ -2510,7 +2510,7 @@
             </a:ln>
             <a:extLst>
               <a:ext uri="{91240B29-F687-4f45-9708-019B960494DF}">
-                <a14:hiddenLine xmlns:a14="http://schemas.microsoft.com/office/drawing/2010/main" xmlns="" w="9525">
+                <a14:hiddenLine xmlns="" xmlns:a14="http://schemas.microsoft.com/office/drawing/2010/main" w="9525">
                   <a:solidFill>
                     <a:srgbClr val="000000"/>
                   </a:solidFill>
@@ -2572,7 +2572,7 @@
             </a:ln>
             <a:extLst>
               <a:ext uri="{91240B29-F687-4f45-9708-019B960494DF}">
-                <a14:hiddenLine xmlns:a14="http://schemas.microsoft.com/office/drawing/2010/main" xmlns="" w="9525">
+                <a14:hiddenLine xmlns="" xmlns:a14="http://schemas.microsoft.com/office/drawing/2010/main" w="9525">
                   <a:solidFill>
                     <a:srgbClr val="000000"/>
                   </a:solidFill>
@@ -2662,7 +2662,7 @@
             </a:ln>
             <a:extLst>
               <a:ext uri="{91240B29-F687-4f45-9708-019B960494DF}">
-                <a14:hiddenLine xmlns:a14="http://schemas.microsoft.com/office/drawing/2010/main" xmlns="" w="9525">
+                <a14:hiddenLine xmlns="" xmlns:a14="http://schemas.microsoft.com/office/drawing/2010/main" w="9525">
                   <a:solidFill>
                     <a:srgbClr val="000000"/>
                   </a:solidFill>
@@ -2730,7 +2730,7 @@
             </a:ln>
             <a:extLst>
               <a:ext uri="{91240B29-F687-4f45-9708-019B960494DF}">
-                <a14:hiddenLine xmlns:a14="http://schemas.microsoft.com/office/drawing/2010/main" xmlns="" w="9525">
+                <a14:hiddenLine xmlns="" xmlns:a14="http://schemas.microsoft.com/office/drawing/2010/main" w="9525">
                   <a:solidFill>
                     <a:srgbClr val="000000"/>
                   </a:solidFill>
@@ -2792,7 +2792,7 @@
             </a:ln>
             <a:extLst>
               <a:ext uri="{91240B29-F687-4f45-9708-019B960494DF}">
-                <a14:hiddenLine xmlns:a14="http://schemas.microsoft.com/office/drawing/2010/main" xmlns="" w="9525">
+                <a14:hiddenLine xmlns="" xmlns:a14="http://schemas.microsoft.com/office/drawing/2010/main" w="9525">
                   <a:solidFill>
                     <a:srgbClr val="000000"/>
                   </a:solidFill>
@@ -2882,7 +2882,7 @@
             </a:ln>
             <a:extLst>
               <a:ext uri="{91240B29-F687-4f45-9708-019B960494DF}">
-                <a14:hiddenLine xmlns:a14="http://schemas.microsoft.com/office/drawing/2010/main" xmlns="" w="9525">
+                <a14:hiddenLine xmlns="" xmlns:a14="http://schemas.microsoft.com/office/drawing/2010/main" w="9525">
                   <a:solidFill>
                     <a:srgbClr val="000000"/>
                   </a:solidFill>
@@ -2944,7 +2944,7 @@
             </a:ln>
             <a:extLst>
               <a:ext uri="{91240B29-F687-4f45-9708-019B960494DF}">
-                <a14:hiddenLine xmlns:a14="http://schemas.microsoft.com/office/drawing/2010/main" xmlns="" w="9525">
+                <a14:hiddenLine xmlns="" xmlns:a14="http://schemas.microsoft.com/office/drawing/2010/main" w="9525">
                   <a:solidFill>
                     <a:srgbClr val="000000"/>
                   </a:solidFill>
@@ -3034,7 +3034,7 @@
             </a:ln>
             <a:extLst>
               <a:ext uri="{91240B29-F687-4f45-9708-019B960494DF}">
-                <a14:hiddenLine xmlns:a14="http://schemas.microsoft.com/office/drawing/2010/main" xmlns="" w="9525">
+                <a14:hiddenLine xmlns="" xmlns:a14="http://schemas.microsoft.com/office/drawing/2010/main" w="9525">
                   <a:solidFill>
                     <a:srgbClr val="000000"/>
                   </a:solidFill>
@@ -3096,7 +3096,7 @@
             </a:ln>
             <a:extLst>
               <a:ext uri="{91240B29-F687-4f45-9708-019B960494DF}">
-                <a14:hiddenLine xmlns:a14="http://schemas.microsoft.com/office/drawing/2010/main" xmlns="" w="9525">
+                <a14:hiddenLine xmlns="" xmlns:a14="http://schemas.microsoft.com/office/drawing/2010/main" w="9525">
                   <a:solidFill>
                     <a:srgbClr val="000000"/>
                   </a:solidFill>
@@ -3186,7 +3186,7 @@
             </a:ln>
             <a:extLst>
               <a:ext uri="{91240B29-F687-4f45-9708-019B960494DF}">
-                <a14:hiddenLine xmlns:a14="http://schemas.microsoft.com/office/drawing/2010/main" xmlns="" w="9525">
+                <a14:hiddenLine xmlns="" xmlns:a14="http://schemas.microsoft.com/office/drawing/2010/main" w="9525">
                   <a:solidFill>
                     <a:srgbClr val="000000"/>
                   </a:solidFill>
@@ -3220,7 +3220,7 @@
             </a:ln>
             <a:extLst>
               <a:ext uri="{91240B29-F687-4f45-9708-019B960494DF}">
-                <a14:hiddenLine xmlns:a14="http://schemas.microsoft.com/office/drawing/2010/main" xmlns="" w="9525">
+                <a14:hiddenLine xmlns="" xmlns:a14="http://schemas.microsoft.com/office/drawing/2010/main" w="9525">
                   <a:solidFill>
                     <a:srgbClr val="000000"/>
                   </a:solidFill>
@@ -3285,7 +3285,7 @@
             </a:ln>
             <a:extLst>
               <a:ext uri="{91240B29-F687-4f45-9708-019B960494DF}">
-                <a14:hiddenLine xmlns:a14="http://schemas.microsoft.com/office/drawing/2010/main" xmlns="" w="9525">
+                <a14:hiddenLine xmlns="" xmlns:a14="http://schemas.microsoft.com/office/drawing/2010/main" w="9525">
                   <a:solidFill>
                     <a:srgbClr val="000000"/>
                   </a:solidFill>
@@ -3375,7 +3375,7 @@
             </a:ln>
             <a:extLst>
               <a:ext uri="{91240B29-F687-4f45-9708-019B960494DF}">
-                <a14:hiddenLine xmlns:a14="http://schemas.microsoft.com/office/drawing/2010/main" xmlns="" w="9525">
+                <a14:hiddenLine xmlns="" xmlns:a14="http://schemas.microsoft.com/office/drawing/2010/main" w="9525">
                   <a:solidFill>
                     <a:srgbClr val="000000"/>
                   </a:solidFill>
@@ -3437,7 +3437,7 @@
             </a:ln>
             <a:extLst>
               <a:ext uri="{91240B29-F687-4f45-9708-019B960494DF}">
-                <a14:hiddenLine xmlns:a14="http://schemas.microsoft.com/office/drawing/2010/main" xmlns="" w="9525">
+                <a14:hiddenLine xmlns="" xmlns:a14="http://schemas.microsoft.com/office/drawing/2010/main" w="9525">
                   <a:solidFill>
                     <a:srgbClr val="000000"/>
                   </a:solidFill>
@@ -3527,7 +3527,7 @@
             </a:ln>
             <a:extLst>
               <a:ext uri="{91240B29-F687-4f45-9708-019B960494DF}">
-                <a14:hiddenLine xmlns:a14="http://schemas.microsoft.com/office/drawing/2010/main" xmlns="" w="9525">
+                <a14:hiddenLine xmlns="" xmlns:a14="http://schemas.microsoft.com/office/drawing/2010/main" w="9525">
                   <a:solidFill>
                     <a:srgbClr val="000000"/>
                   </a:solidFill>
@@ -3617,7 +3617,7 @@
             </a:ln>
             <a:extLst>
               <a:ext uri="{91240B29-F687-4f45-9708-019B960494DF}">
-                <a14:hiddenLine xmlns:a14="http://schemas.microsoft.com/office/drawing/2010/main" xmlns="" w="9525">
+                <a14:hiddenLine xmlns="" xmlns:a14="http://schemas.microsoft.com/office/drawing/2010/main" w="9525">
                   <a:solidFill>
                     <a:srgbClr val="000000"/>
                   </a:solidFill>
@@ -3682,7 +3682,7 @@
             </a:ln>
             <a:extLst>
               <a:ext uri="{91240B29-F687-4f45-9708-019B960494DF}">
-                <a14:hiddenLine xmlns:a14="http://schemas.microsoft.com/office/drawing/2010/main" xmlns="" w="9525">
+                <a14:hiddenLine xmlns="" xmlns:a14="http://schemas.microsoft.com/office/drawing/2010/main" w="9525">
                   <a:solidFill>
                     <a:srgbClr val="000000"/>
                   </a:solidFill>
@@ -3744,7 +3744,7 @@
             </a:ln>
             <a:extLst>
               <a:ext uri="{91240B29-F687-4f45-9708-019B960494DF}">
-                <a14:hiddenLine xmlns:a14="http://schemas.microsoft.com/office/drawing/2010/main" xmlns="" w="9525">
+                <a14:hiddenLine xmlns="" xmlns:a14="http://schemas.microsoft.com/office/drawing/2010/main" w="9525">
                   <a:solidFill>
                     <a:srgbClr val="000000"/>
                   </a:solidFill>
@@ -3834,7 +3834,7 @@
             </a:ln>
             <a:extLst>
               <a:ext uri="{91240B29-F687-4f45-9708-019B960494DF}">
-                <a14:hiddenLine xmlns:a14="http://schemas.microsoft.com/office/drawing/2010/main" xmlns="" w="9525">
+                <a14:hiddenLine xmlns="" xmlns:a14="http://schemas.microsoft.com/office/drawing/2010/main" w="9525">
                   <a:solidFill>
                     <a:srgbClr val="000000"/>
                   </a:solidFill>
@@ -3924,7 +3924,7 @@
             </a:ln>
             <a:extLst>
               <a:ext uri="{91240B29-F687-4f45-9708-019B960494DF}">
-                <a14:hiddenLine xmlns:a14="http://schemas.microsoft.com/office/drawing/2010/main" xmlns="" w="9525">
+                <a14:hiddenLine xmlns="" xmlns:a14="http://schemas.microsoft.com/office/drawing/2010/main" w="9525">
                   <a:solidFill>
                     <a:srgbClr val="000000"/>
                   </a:solidFill>
@@ -3986,7 +3986,7 @@
             </a:ln>
             <a:extLst>
               <a:ext uri="{91240B29-F687-4f45-9708-019B960494DF}">
-                <a14:hiddenLine xmlns:a14="http://schemas.microsoft.com/office/drawing/2010/main" xmlns="" w="9525">
+                <a14:hiddenLine xmlns="" xmlns:a14="http://schemas.microsoft.com/office/drawing/2010/main" w="9525">
                   <a:solidFill>
                     <a:srgbClr val="000000"/>
                   </a:solidFill>
@@ -4106,7 +4106,7 @@
             </a:ln>
             <a:extLst>
               <a:ext uri="{91240B29-F687-4f45-9708-019B960494DF}">
-                <a14:hiddenLine xmlns:a14="http://schemas.microsoft.com/office/drawing/2010/main" xmlns="" w="9525">
+                <a14:hiddenLine xmlns="" xmlns:a14="http://schemas.microsoft.com/office/drawing/2010/main" w="9525">
                   <a:solidFill>
                     <a:srgbClr val="000000"/>
                   </a:solidFill>
@@ -4174,7 +4174,7 @@
             </a:ln>
             <a:extLst>
               <a:ext uri="{91240B29-F687-4f45-9708-019B960494DF}">
-                <a14:hiddenLine xmlns:a14="http://schemas.microsoft.com/office/drawing/2010/main" xmlns="" w="9525">
+                <a14:hiddenLine xmlns="" xmlns:a14="http://schemas.microsoft.com/office/drawing/2010/main" w="9525">
                   <a:solidFill>
                     <a:srgbClr val="000000"/>
                   </a:solidFill>
@@ -4264,7 +4264,7 @@
             </a:ln>
             <a:extLst>
               <a:ext uri="{91240B29-F687-4f45-9708-019B960494DF}">
-                <a14:hiddenLine xmlns:a14="http://schemas.microsoft.com/office/drawing/2010/main" xmlns="" w="9525">
+                <a14:hiddenLine xmlns="" xmlns:a14="http://schemas.microsoft.com/office/drawing/2010/main" w="9525">
                   <a:solidFill>
                     <a:srgbClr val="000000"/>
                   </a:solidFill>
@@ -4404,7 +4404,7 @@
           <a:p>
             <a:fld id="{FA218AC0-10C8-4D41-9305-A3A159271036}" type="datetimeFigureOut">
               <a:rPr lang="be-BY" smtClean="0"/>
-              <a:t>02.06.2020</a:t>
+              <a:t>03.06.2020</a:t>
             </a:fld>
             <a:endParaRPr lang="be-BY"/>
           </a:p>
@@ -4671,7 +4671,7 @@
           <a:p>
             <a:fld id="{FA218AC0-10C8-4D41-9305-A3A159271036}" type="datetimeFigureOut">
               <a:rPr lang="be-BY" smtClean="0"/>
-              <a:t>02.06.2020</a:t>
+              <a:t>03.06.2020</a:t>
             </a:fld>
             <a:endParaRPr lang="be-BY"/>
           </a:p>
@@ -4867,7 +4867,7 @@
           <a:p>
             <a:fld id="{FA218AC0-10C8-4D41-9305-A3A159271036}" type="datetimeFigureOut">
               <a:rPr lang="be-BY" smtClean="0"/>
-              <a:t>02.06.2020</a:t>
+              <a:t>03.06.2020</a:t>
             </a:fld>
             <a:endParaRPr lang="be-BY"/>
           </a:p>
@@ -5130,7 +5130,7 @@
           <a:p>
             <a:fld id="{FA218AC0-10C8-4D41-9305-A3A159271036}" type="datetimeFigureOut">
               <a:rPr lang="be-BY" smtClean="0"/>
-              <a:t>02.06.2020</a:t>
+              <a:t>03.06.2020</a:t>
             </a:fld>
             <a:endParaRPr lang="be-BY"/>
           </a:p>
@@ -5564,7 +5564,7 @@
           <a:p>
             <a:fld id="{FA218AC0-10C8-4D41-9305-A3A159271036}" type="datetimeFigureOut">
               <a:rPr lang="be-BY" smtClean="0"/>
-              <a:t>02.06.2020</a:t>
+              <a:t>03.06.2020</a:t>
             </a:fld>
             <a:endParaRPr lang="be-BY"/>
           </a:p>
@@ -6110,7 +6110,7 @@
           <a:p>
             <a:fld id="{FA218AC0-10C8-4D41-9305-A3A159271036}" type="datetimeFigureOut">
               <a:rPr lang="be-BY" smtClean="0"/>
-              <a:t>02.06.2020</a:t>
+              <a:t>03.06.2020</a:t>
             </a:fld>
             <a:endParaRPr lang="be-BY"/>
           </a:p>
@@ -6830,7 +6830,7 @@
           <a:p>
             <a:fld id="{FA218AC0-10C8-4D41-9305-A3A159271036}" type="datetimeFigureOut">
               <a:rPr lang="be-BY" smtClean="0"/>
-              <a:t>02.06.2020</a:t>
+              <a:t>03.06.2020</a:t>
             </a:fld>
             <a:endParaRPr lang="be-BY"/>
           </a:p>
@@ -7000,7 +7000,7 @@
           <a:p>
             <a:fld id="{FA218AC0-10C8-4D41-9305-A3A159271036}" type="datetimeFigureOut">
               <a:rPr lang="be-BY" smtClean="0"/>
-              <a:t>02.06.2020</a:t>
+              <a:t>03.06.2020</a:t>
             </a:fld>
             <a:endParaRPr lang="be-BY"/>
           </a:p>
@@ -7180,7 +7180,7 @@
           <a:p>
             <a:fld id="{FA218AC0-10C8-4D41-9305-A3A159271036}" type="datetimeFigureOut">
               <a:rPr lang="be-BY" smtClean="0"/>
-              <a:t>02.06.2020</a:t>
+              <a:t>03.06.2020</a:t>
             </a:fld>
             <a:endParaRPr lang="be-BY"/>
           </a:p>
@@ -7350,7 +7350,7 @@
           <a:p>
             <a:fld id="{FA218AC0-10C8-4D41-9305-A3A159271036}" type="datetimeFigureOut">
               <a:rPr lang="be-BY" smtClean="0"/>
-              <a:t>02.06.2020</a:t>
+              <a:t>03.06.2020</a:t>
             </a:fld>
             <a:endParaRPr lang="be-BY"/>
           </a:p>
@@ -7600,7 +7600,7 @@
           <a:p>
             <a:fld id="{FA218AC0-10C8-4D41-9305-A3A159271036}" type="datetimeFigureOut">
               <a:rPr lang="be-BY" smtClean="0"/>
-              <a:t>02.06.2020</a:t>
+              <a:t>03.06.2020</a:t>
             </a:fld>
             <a:endParaRPr lang="be-BY"/>
           </a:p>
@@ -7832,7 +7832,7 @@
           <a:p>
             <a:fld id="{FA218AC0-10C8-4D41-9305-A3A159271036}" type="datetimeFigureOut">
               <a:rPr lang="be-BY" smtClean="0"/>
-              <a:t>02.06.2020</a:t>
+              <a:t>03.06.2020</a:t>
             </a:fld>
             <a:endParaRPr lang="be-BY"/>
           </a:p>
@@ -8213,7 +8213,7 @@
           <a:p>
             <a:fld id="{FA218AC0-10C8-4D41-9305-A3A159271036}" type="datetimeFigureOut">
               <a:rPr lang="be-BY" smtClean="0"/>
-              <a:t>02.06.2020</a:t>
+              <a:t>03.06.2020</a:t>
             </a:fld>
             <a:endParaRPr lang="be-BY"/>
           </a:p>
@@ -8331,7 +8331,7 @@
           <a:p>
             <a:fld id="{FA218AC0-10C8-4D41-9305-A3A159271036}" type="datetimeFigureOut">
               <a:rPr lang="be-BY" smtClean="0"/>
-              <a:t>02.06.2020</a:t>
+              <a:t>03.06.2020</a:t>
             </a:fld>
             <a:endParaRPr lang="be-BY"/>
           </a:p>
@@ -8426,7 +8426,7 @@
           <a:p>
             <a:fld id="{FA218AC0-10C8-4D41-9305-A3A159271036}" type="datetimeFigureOut">
               <a:rPr lang="be-BY" smtClean="0"/>
-              <a:t>02.06.2020</a:t>
+              <a:t>03.06.2020</a:t>
             </a:fld>
             <a:endParaRPr lang="be-BY"/>
           </a:p>
@@ -8675,7 +8675,7 @@
           <a:p>
             <a:fld id="{FA218AC0-10C8-4D41-9305-A3A159271036}" type="datetimeFigureOut">
               <a:rPr lang="be-BY" smtClean="0"/>
-              <a:t>02.06.2020</a:t>
+              <a:t>03.06.2020</a:t>
             </a:fld>
             <a:endParaRPr lang="be-BY"/>
           </a:p>
@@ -8955,7 +8955,7 @@
           <a:p>
             <a:fld id="{FA218AC0-10C8-4D41-9305-A3A159271036}" type="datetimeFigureOut">
               <a:rPr lang="be-BY" smtClean="0"/>
-              <a:t>02.06.2020</a:t>
+              <a:t>03.06.2020</a:t>
             </a:fld>
             <a:endParaRPr lang="be-BY"/>
           </a:p>
@@ -9078,7 +9078,7 @@
           <a:noFill/>
           <a:extLst>
             <a:ext uri="{909E8E84-426E-40dd-AFC4-6F175D3DCCD1}">
-              <a14:hiddenFill xmlns:a14="http://schemas.microsoft.com/office/drawing/2010/main" xmlns="">
+              <a14:hiddenFill xmlns="" xmlns:a14="http://schemas.microsoft.com/office/drawing/2010/main">
                 <a:solidFill>
                   <a:srgbClr val="FFFFFF"/>
                 </a:solidFill>
@@ -9152,7 +9152,7 @@
               </a:ln>
               <a:extLst>
                 <a:ext uri="{91240B29-F687-4f45-9708-019B960494DF}">
-                  <a14:hiddenLine xmlns:a14="http://schemas.microsoft.com/office/drawing/2010/main" xmlns="" w="9525">
+                  <a14:hiddenLine xmlns="" xmlns:a14="http://schemas.microsoft.com/office/drawing/2010/main" w="9525">
                     <a:solidFill>
                       <a:srgbClr val="000000"/>
                     </a:solidFill>
@@ -9242,7 +9242,7 @@
               </a:ln>
               <a:extLst>
                 <a:ext uri="{91240B29-F687-4f45-9708-019B960494DF}">
-                  <a14:hiddenLine xmlns:a14="http://schemas.microsoft.com/office/drawing/2010/main" xmlns="" w="9525">
+                  <a14:hiddenLine xmlns="" xmlns:a14="http://schemas.microsoft.com/office/drawing/2010/main" w="9525">
                     <a:solidFill>
                       <a:srgbClr val="000000"/>
                     </a:solidFill>
@@ -9332,7 +9332,7 @@
               </a:ln>
               <a:extLst>
                 <a:ext uri="{91240B29-F687-4f45-9708-019B960494DF}">
-                  <a14:hiddenLine xmlns:a14="http://schemas.microsoft.com/office/drawing/2010/main" xmlns="" w="9525">
+                  <a14:hiddenLine xmlns="" xmlns:a14="http://schemas.microsoft.com/office/drawing/2010/main" w="9525">
                     <a:solidFill>
                       <a:srgbClr val="000000"/>
                     </a:solidFill>
@@ -9394,7 +9394,7 @@
               </a:ln>
               <a:extLst>
                 <a:ext uri="{91240B29-F687-4f45-9708-019B960494DF}">
-                  <a14:hiddenLine xmlns:a14="http://schemas.microsoft.com/office/drawing/2010/main" xmlns="" w="9525">
+                  <a14:hiddenLine xmlns="" xmlns:a14="http://schemas.microsoft.com/office/drawing/2010/main" w="9525">
                     <a:solidFill>
                       <a:srgbClr val="000000"/>
                     </a:solidFill>
@@ -9484,7 +9484,7 @@
               </a:ln>
               <a:extLst>
                 <a:ext uri="{91240B29-F687-4f45-9708-019B960494DF}">
-                  <a14:hiddenLine xmlns:a14="http://schemas.microsoft.com/office/drawing/2010/main" xmlns="" w="9525">
+                  <a14:hiddenLine xmlns="" xmlns:a14="http://schemas.microsoft.com/office/drawing/2010/main" w="9525">
                     <a:solidFill>
                       <a:srgbClr val="000000"/>
                     </a:solidFill>
@@ -9546,7 +9546,7 @@
               </a:ln>
               <a:extLst>
                 <a:ext uri="{91240B29-F687-4f45-9708-019B960494DF}">
-                  <a14:hiddenLine xmlns:a14="http://schemas.microsoft.com/office/drawing/2010/main" xmlns="" w="9525">
+                  <a14:hiddenLine xmlns="" xmlns:a14="http://schemas.microsoft.com/office/drawing/2010/main" w="9525">
                     <a:solidFill>
                       <a:srgbClr val="000000"/>
                     </a:solidFill>
@@ -9608,7 +9608,7 @@
               </a:ln>
               <a:extLst>
                 <a:ext uri="{91240B29-F687-4f45-9708-019B960494DF}">
-                  <a14:hiddenLine xmlns:a14="http://schemas.microsoft.com/office/drawing/2010/main" xmlns="" w="9525">
+                  <a14:hiddenLine xmlns="" xmlns:a14="http://schemas.microsoft.com/office/drawing/2010/main" w="9525">
                     <a:solidFill>
                       <a:srgbClr val="000000"/>
                     </a:solidFill>
@@ -9698,7 +9698,7 @@
               </a:ln>
               <a:extLst>
                 <a:ext uri="{91240B29-F687-4f45-9708-019B960494DF}">
-                  <a14:hiddenLine xmlns:a14="http://schemas.microsoft.com/office/drawing/2010/main" xmlns="" w="9525">
+                  <a14:hiddenLine xmlns="" xmlns:a14="http://schemas.microsoft.com/office/drawing/2010/main" w="9525">
                     <a:solidFill>
                       <a:srgbClr val="000000"/>
                     </a:solidFill>
@@ -9788,7 +9788,7 @@
               </a:ln>
               <a:extLst>
                 <a:ext uri="{91240B29-F687-4f45-9708-019B960494DF}">
-                  <a14:hiddenLine xmlns:a14="http://schemas.microsoft.com/office/drawing/2010/main" xmlns="" w="9525">
+                  <a14:hiddenLine xmlns="" xmlns:a14="http://schemas.microsoft.com/office/drawing/2010/main" w="9525">
                     <a:solidFill>
                       <a:srgbClr val="000000"/>
                     </a:solidFill>
@@ -9850,7 +9850,7 @@
               </a:ln>
               <a:extLst>
                 <a:ext uri="{91240B29-F687-4f45-9708-019B960494DF}">
-                  <a14:hiddenLine xmlns:a14="http://schemas.microsoft.com/office/drawing/2010/main" xmlns="" w="9525">
+                  <a14:hiddenLine xmlns="" xmlns:a14="http://schemas.microsoft.com/office/drawing/2010/main" w="9525">
                     <a:solidFill>
                       <a:srgbClr val="000000"/>
                     </a:solidFill>
@@ -9960,7 +9960,7 @@
               </a:ln>
               <a:extLst>
                 <a:ext uri="{91240B29-F687-4f45-9708-019B960494DF}">
-                  <a14:hiddenLine xmlns:a14="http://schemas.microsoft.com/office/drawing/2010/main" xmlns="" w="9525">
+                  <a14:hiddenLine xmlns="" xmlns:a14="http://schemas.microsoft.com/office/drawing/2010/main" w="9525">
                     <a:solidFill>
                       <a:srgbClr val="000000"/>
                     </a:solidFill>
@@ -10044,7 +10044,7 @@
               </a:ln>
               <a:extLst>
                 <a:ext uri="{91240B29-F687-4f45-9708-019B960494DF}">
-                  <a14:hiddenLine xmlns:a14="http://schemas.microsoft.com/office/drawing/2010/main" xmlns="" w="9525">
+                  <a14:hiddenLine xmlns="" xmlns:a14="http://schemas.microsoft.com/office/drawing/2010/main" w="9525">
                     <a:solidFill>
                       <a:srgbClr val="000000"/>
                     </a:solidFill>
@@ -10106,7 +10106,7 @@
               </a:ln>
               <a:extLst>
                 <a:ext uri="{91240B29-F687-4f45-9708-019B960494DF}">
-                  <a14:hiddenLine xmlns:a14="http://schemas.microsoft.com/office/drawing/2010/main" xmlns="" w="9525">
+                  <a14:hiddenLine xmlns="" xmlns:a14="http://schemas.microsoft.com/office/drawing/2010/main" w="9525">
                     <a:solidFill>
                       <a:srgbClr val="000000"/>
                     </a:solidFill>
@@ -10168,7 +10168,7 @@
               </a:ln>
               <a:extLst>
                 <a:ext uri="{91240B29-F687-4f45-9708-019B960494DF}">
-                  <a14:hiddenLine xmlns:a14="http://schemas.microsoft.com/office/drawing/2010/main" xmlns="" w="9525">
+                  <a14:hiddenLine xmlns="" xmlns:a14="http://schemas.microsoft.com/office/drawing/2010/main" w="9525">
                     <a:solidFill>
                       <a:srgbClr val="000000"/>
                     </a:solidFill>
@@ -10258,7 +10258,7 @@
               </a:ln>
               <a:extLst>
                 <a:ext uri="{91240B29-F687-4f45-9708-019B960494DF}">
-                  <a14:hiddenLine xmlns:a14="http://schemas.microsoft.com/office/drawing/2010/main" xmlns="" w="9525">
+                  <a14:hiddenLine xmlns="" xmlns:a14="http://schemas.microsoft.com/office/drawing/2010/main" w="9525">
                     <a:solidFill>
                       <a:srgbClr val="000000"/>
                     </a:solidFill>
@@ -10292,7 +10292,7 @@
               </a:ln>
               <a:extLst>
                 <a:ext uri="{91240B29-F687-4f45-9708-019B960494DF}">
-                  <a14:hiddenLine xmlns:a14="http://schemas.microsoft.com/office/drawing/2010/main" xmlns="" w="9525">
+                  <a14:hiddenLine xmlns="" xmlns:a14="http://schemas.microsoft.com/office/drawing/2010/main" w="9525">
                     <a:solidFill>
                       <a:srgbClr val="000000"/>
                     </a:solidFill>
@@ -10357,7 +10357,7 @@
               </a:ln>
               <a:extLst>
                 <a:ext uri="{91240B29-F687-4f45-9708-019B960494DF}">
-                  <a14:hiddenLine xmlns:a14="http://schemas.microsoft.com/office/drawing/2010/main" xmlns="" w="9525">
+                  <a14:hiddenLine xmlns="" xmlns:a14="http://schemas.microsoft.com/office/drawing/2010/main" w="9525">
                     <a:solidFill>
                       <a:srgbClr val="000000"/>
                     </a:solidFill>
@@ -10447,7 +10447,7 @@
               </a:ln>
               <a:extLst>
                 <a:ext uri="{91240B29-F687-4f45-9708-019B960494DF}">
-                  <a14:hiddenLine xmlns:a14="http://schemas.microsoft.com/office/drawing/2010/main" xmlns="" w="9525">
+                  <a14:hiddenLine xmlns="" xmlns:a14="http://schemas.microsoft.com/office/drawing/2010/main" w="9525">
                     <a:solidFill>
                       <a:srgbClr val="000000"/>
                     </a:solidFill>
@@ -10509,7 +10509,7 @@
               </a:ln>
               <a:extLst>
                 <a:ext uri="{91240B29-F687-4f45-9708-019B960494DF}">
-                  <a14:hiddenLine xmlns:a14="http://schemas.microsoft.com/office/drawing/2010/main" xmlns="" w="9525">
+                  <a14:hiddenLine xmlns="" xmlns:a14="http://schemas.microsoft.com/office/drawing/2010/main" w="9525">
                     <a:solidFill>
                       <a:srgbClr val="000000"/>
                     </a:solidFill>
@@ -10599,7 +10599,7 @@
               </a:ln>
               <a:extLst>
                 <a:ext uri="{91240B29-F687-4f45-9708-019B960494DF}">
-                  <a14:hiddenLine xmlns:a14="http://schemas.microsoft.com/office/drawing/2010/main" xmlns="" w="9525">
+                  <a14:hiddenLine xmlns="" xmlns:a14="http://schemas.microsoft.com/office/drawing/2010/main" w="9525">
                     <a:solidFill>
                       <a:srgbClr val="000000"/>
                     </a:solidFill>
@@ -10664,7 +10664,7 @@
               </a:ln>
               <a:extLst>
                 <a:ext uri="{91240B29-F687-4f45-9708-019B960494DF}">
-                  <a14:hiddenLine xmlns:a14="http://schemas.microsoft.com/office/drawing/2010/main" xmlns="" w="9525">
+                  <a14:hiddenLine xmlns="" xmlns:a14="http://schemas.microsoft.com/office/drawing/2010/main" w="9525">
                     <a:solidFill>
                       <a:srgbClr val="000000"/>
                     </a:solidFill>
@@ -10726,7 +10726,7 @@
               </a:ln>
               <a:extLst>
                 <a:ext uri="{91240B29-F687-4f45-9708-019B960494DF}">
-                  <a14:hiddenLine xmlns:a14="http://schemas.microsoft.com/office/drawing/2010/main" xmlns="" w="9525">
+                  <a14:hiddenLine xmlns="" xmlns:a14="http://schemas.microsoft.com/office/drawing/2010/main" w="9525">
                     <a:solidFill>
                       <a:srgbClr val="000000"/>
                     </a:solidFill>
@@ -10816,7 +10816,7 @@
               </a:ln>
               <a:extLst>
                 <a:ext uri="{91240B29-F687-4f45-9708-019B960494DF}">
-                  <a14:hiddenLine xmlns:a14="http://schemas.microsoft.com/office/drawing/2010/main" xmlns="" w="9525">
+                  <a14:hiddenLine xmlns="" xmlns:a14="http://schemas.microsoft.com/office/drawing/2010/main" w="9525">
                     <a:solidFill>
                       <a:srgbClr val="000000"/>
                     </a:solidFill>
@@ -10906,7 +10906,7 @@
               </a:ln>
               <a:extLst>
                 <a:ext uri="{91240B29-F687-4f45-9708-019B960494DF}">
-                  <a14:hiddenLine xmlns:a14="http://schemas.microsoft.com/office/drawing/2010/main" xmlns="" w="9525">
+                  <a14:hiddenLine xmlns="" xmlns:a14="http://schemas.microsoft.com/office/drawing/2010/main" w="9525">
                     <a:solidFill>
                       <a:srgbClr val="000000"/>
                     </a:solidFill>
@@ -10971,7 +10971,7 @@
               </a:ln>
               <a:extLst>
                 <a:ext uri="{91240B29-F687-4f45-9708-019B960494DF}">
-                  <a14:hiddenLine xmlns:a14="http://schemas.microsoft.com/office/drawing/2010/main" xmlns="" w="9525">
+                  <a14:hiddenLine xmlns="" xmlns:a14="http://schemas.microsoft.com/office/drawing/2010/main" w="9525">
                     <a:solidFill>
                       <a:srgbClr val="000000"/>
                     </a:solidFill>
@@ -11091,7 +11091,7 @@
               </a:ln>
               <a:extLst>
                 <a:ext uri="{91240B29-F687-4f45-9708-019B960494DF}">
-                  <a14:hiddenLine xmlns:a14="http://schemas.microsoft.com/office/drawing/2010/main" xmlns="" w="9525">
+                  <a14:hiddenLine xmlns="" xmlns:a14="http://schemas.microsoft.com/office/drawing/2010/main" w="9525">
                     <a:solidFill>
                       <a:srgbClr val="000000"/>
                     </a:solidFill>
@@ -11172,7 +11172,7 @@
               </a:ln>
               <a:extLst>
                 <a:ext uri="{91240B29-F687-4f45-9708-019B960494DF}">
-                  <a14:hiddenLine xmlns:a14="http://schemas.microsoft.com/office/drawing/2010/main" xmlns="" w="9525">
+                  <a14:hiddenLine xmlns="" xmlns:a14="http://schemas.microsoft.com/office/drawing/2010/main" w="9525">
                     <a:solidFill>
                       <a:srgbClr val="000000"/>
                     </a:solidFill>
@@ -11287,7 +11287,7 @@
               </a:ln>
               <a:extLst>
                 <a:ext uri="{91240B29-F687-4f45-9708-019B960494DF}">
-                  <a14:hiddenLine xmlns:a14="http://schemas.microsoft.com/office/drawing/2010/main" xmlns="" w="9525">
+                  <a14:hiddenLine xmlns="" xmlns:a14="http://schemas.microsoft.com/office/drawing/2010/main" w="9525">
                     <a:solidFill>
                       <a:srgbClr val="000000"/>
                     </a:solidFill>
@@ -11377,7 +11377,7 @@
               </a:ln>
               <a:extLst>
                 <a:ext uri="{91240B29-F687-4f45-9708-019B960494DF}">
-                  <a14:hiddenLine xmlns:a14="http://schemas.microsoft.com/office/drawing/2010/main" xmlns="" w="9525">
+                  <a14:hiddenLine xmlns="" xmlns:a14="http://schemas.microsoft.com/office/drawing/2010/main" w="9525">
                     <a:solidFill>
                       <a:srgbClr val="000000"/>
                     </a:solidFill>
@@ -11442,7 +11442,7 @@
               </a:ln>
               <a:extLst>
                 <a:ext uri="{91240B29-F687-4f45-9708-019B960494DF}">
-                  <a14:hiddenLine xmlns:a14="http://schemas.microsoft.com/office/drawing/2010/main" xmlns="" w="9525">
+                  <a14:hiddenLine xmlns="" xmlns:a14="http://schemas.microsoft.com/office/drawing/2010/main" w="9525">
                     <a:solidFill>
                       <a:srgbClr val="000000"/>
                     </a:solidFill>
@@ -11532,7 +11532,7 @@
               </a:ln>
               <a:extLst>
                 <a:ext uri="{91240B29-F687-4f45-9708-019B960494DF}">
-                  <a14:hiddenLine xmlns:a14="http://schemas.microsoft.com/office/drawing/2010/main" xmlns="" w="9525">
+                  <a14:hiddenLine xmlns="" xmlns:a14="http://schemas.microsoft.com/office/drawing/2010/main" w="9525">
                     <a:solidFill>
                       <a:srgbClr val="000000"/>
                     </a:solidFill>
@@ -11600,7 +11600,7 @@
               </a:ln>
               <a:extLst>
                 <a:ext uri="{91240B29-F687-4f45-9708-019B960494DF}">
-                  <a14:hiddenLine xmlns:a14="http://schemas.microsoft.com/office/drawing/2010/main" xmlns="" w="9525">
+                  <a14:hiddenLine xmlns="" xmlns:a14="http://schemas.microsoft.com/office/drawing/2010/main" w="9525">
                     <a:solidFill>
                       <a:srgbClr val="000000"/>
                     </a:solidFill>
@@ -11690,7 +11690,7 @@
               </a:ln>
               <a:extLst>
                 <a:ext uri="{91240B29-F687-4f45-9708-019B960494DF}">
-                  <a14:hiddenLine xmlns:a14="http://schemas.microsoft.com/office/drawing/2010/main" xmlns="" w="9525">
+                  <a14:hiddenLine xmlns="" xmlns:a14="http://schemas.microsoft.com/office/drawing/2010/main" w="9525">
                     <a:solidFill>
                       <a:srgbClr val="000000"/>
                     </a:solidFill>
@@ -11758,7 +11758,7 @@
               </a:ln>
               <a:extLst>
                 <a:ext uri="{91240B29-F687-4f45-9708-019B960494DF}">
-                  <a14:hiddenLine xmlns:a14="http://schemas.microsoft.com/office/drawing/2010/main" xmlns="" w="9525">
+                  <a14:hiddenLine xmlns="" xmlns:a14="http://schemas.microsoft.com/office/drawing/2010/main" w="9525">
                     <a:solidFill>
                       <a:srgbClr val="000000"/>
                     </a:solidFill>
@@ -11848,7 +11848,7 @@
               </a:ln>
               <a:extLst>
                 <a:ext uri="{91240B29-F687-4f45-9708-019B960494DF}">
-                  <a14:hiddenLine xmlns:a14="http://schemas.microsoft.com/office/drawing/2010/main" xmlns="" w="9525">
+                  <a14:hiddenLine xmlns="" xmlns:a14="http://schemas.microsoft.com/office/drawing/2010/main" w="9525">
                     <a:solidFill>
                       <a:srgbClr val="000000"/>
                     </a:solidFill>
@@ -11882,7 +11882,7 @@
               </a:ln>
               <a:extLst>
                 <a:ext uri="{91240B29-F687-4f45-9708-019B960494DF}">
-                  <a14:hiddenLine xmlns:a14="http://schemas.microsoft.com/office/drawing/2010/main" xmlns="" w="9525">
+                  <a14:hiddenLine xmlns="" xmlns:a14="http://schemas.microsoft.com/office/drawing/2010/main" w="9525">
                     <a:solidFill>
                       <a:srgbClr val="000000"/>
                     </a:solidFill>
@@ -12022,7 +12022,7 @@
           <a:p>
             <a:fld id="{FA218AC0-10C8-4D41-9305-A3A159271036}" type="datetimeFigureOut">
               <a:rPr lang="be-BY" smtClean="0"/>
-              <a:t>02.06.2020</a:t>
+              <a:t>03.06.2020</a:t>
             </a:fld>
             <a:endParaRPr lang="be-BY"/>
           </a:p>
@@ -13253,12 +13253,12 @@
         <p:spPr>
           <a:xfrm>
             <a:off x="1276049" y="502052"/>
-            <a:ext cx="8618954" cy="897775"/>
+            <a:ext cx="8250336" cy="897775"/>
           </a:xfrm>
         </p:spPr>
         <p:txBody>
           <a:bodyPr>
-            <a:normAutofit/>
+            <a:normAutofit fontScale="90000"/>
           </a:bodyPr>
           <a:lstStyle/>
           <a:p>
@@ -13308,7 +13308,7 @@
         </p:blipFill>
         <p:spPr bwMode="auto">
           <a:xfrm>
-            <a:off x="341036" y="3697432"/>
+            <a:off x="7169076" y="3274575"/>
             <a:ext cx="4508921" cy="2806369"/>
           </a:xfrm>
           <a:prstGeom prst="rect">
@@ -13363,30 +13363,31 @@
       </p:pic>
       <p:pic>
         <p:nvPicPr>
-          <p:cNvPr id="5" name="Рисунок 4"/>
+          <p:cNvPr id="8" name="Рисунок 7"/>
           <p:cNvPicPr>
             <a:picLocks noChangeAspect="1"/>
           </p:cNvPicPr>
           <p:nvPr/>
         </p:nvPicPr>
         <p:blipFill rotWithShape="1">
-          <a:blip r:embed="rId4"/>
-          <a:srcRect t="1505" r="4682" b="10162"/>
+          <a:blip r:embed="rId4">
+            <a:extLst>
+              <a:ext uri="{28A0092B-C50C-407E-A947-70E740481C1C}">
+                <a14:useLocalDpi xmlns:a14="http://schemas.microsoft.com/office/drawing/2010/main" val="0"/>
+              </a:ext>
+            </a:extLst>
+          </a:blip>
+          <a:srcRect r="64658" b="27123"/>
           <a:stretch/>
         </p:blipFill>
         <p:spPr>
           <a:xfrm>
-            <a:off x="8226310" y="3108553"/>
-            <a:ext cx="3337387" cy="3395248"/>
+            <a:off x="1276049" y="1834392"/>
+            <a:ext cx="3661187" cy="4246552"/>
           </a:xfrm>
           <a:prstGeom prst="rect">
             <a:avLst/>
           </a:prstGeom>
-          <a:ln w="38100">
-            <a:solidFill>
-              <a:schemeClr val="bg1"/>
-            </a:solidFill>
-          </a:ln>
         </p:spPr>
       </p:pic>
     </p:spTree>
